--- a/FirebaseDatabaseSecurity_DannesEspinoza.pptx
+++ b/FirebaseDatabaseSecurity_DannesEspinoza.pptx
@@ -14,6 +14,13 @@
     <p:sldId id="262" r:id="rId8"/>
     <p:sldId id="263" r:id="rId9"/>
     <p:sldId id="265" r:id="rId10"/>
+    <p:sldId id="266" r:id="rId11"/>
+    <p:sldId id="268" r:id="rId12"/>
+    <p:sldId id="267" r:id="rId13"/>
+    <p:sldId id="269" r:id="rId14"/>
+    <p:sldId id="270" r:id="rId15"/>
+    <p:sldId id="271" r:id="rId16"/>
+    <p:sldId id="272" r:id="rId17"/>
   </p:sldIdLst>
   <p:sldSz cx="12192000" cy="6858000"/>
   <p:notesSz cx="6858000" cy="9144000"/>
@@ -8205,6 +8212,1577 @@
 </p:sld>
 </file>
 
+<file path=ppt/slides/slide10.xml><?xml version="1.0" encoding="utf-8"?>
+<p:sld xmlns:a="http://schemas.openxmlformats.org/drawingml/2006/main" xmlns:r="http://schemas.openxmlformats.org/officeDocument/2006/relationships" xmlns:p="http://schemas.openxmlformats.org/presentationml/2006/main">
+  <p:cSld>
+    <p:bg>
+      <p:bgPr>
+        <a:gradFill rotWithShape="1">
+          <a:gsLst>
+            <a:gs pos="0">
+              <a:schemeClr val="bg2">
+                <a:tint val="96000"/>
+                <a:shade val="100000"/>
+                <a:hueMod val="270000"/>
+                <a:satMod val="200000"/>
+                <a:lumMod val="128000"/>
+              </a:schemeClr>
+            </a:gs>
+            <a:gs pos="50000">
+              <a:schemeClr val="bg2">
+                <a:shade val="100000"/>
+                <a:hueMod val="100000"/>
+                <a:satMod val="110000"/>
+                <a:lumMod val="130000"/>
+              </a:schemeClr>
+            </a:gs>
+            <a:gs pos="100000">
+              <a:schemeClr val="bg2">
+                <a:shade val="78000"/>
+                <a:hueMod val="44000"/>
+                <a:satMod val="200000"/>
+                <a:lumMod val="69000"/>
+              </a:schemeClr>
+            </a:gs>
+          </a:gsLst>
+          <a:lin ang="2520000" scaled="0"/>
+        </a:gradFill>
+        <a:effectLst/>
+      </p:bgPr>
+    </p:bg>
+    <p:spTree>
+      <p:nvGrpSpPr>
+        <p:cNvPr id="1" name=""/>
+        <p:cNvGrpSpPr/>
+        <p:nvPr/>
+      </p:nvGrpSpPr>
+      <p:grpSpPr>
+        <a:xfrm>
+          <a:off x="0" y="0"/>
+          <a:ext cx="0" cy="0"/>
+          <a:chOff x="0" y="0"/>
+          <a:chExt cx="0" cy="0"/>
+        </a:xfrm>
+      </p:grpSpPr>
+      <p:pic>
+        <p:nvPicPr>
+          <p:cNvPr id="9223" name="Picture 9222">
+            <a:extLst>
+              <a:ext uri="{FF2B5EF4-FFF2-40B4-BE49-F238E27FC236}">
+                <a16:creationId xmlns:a16="http://schemas.microsoft.com/office/drawing/2014/main" id="{01CFC1BB-C5B3-4479-9752-C53221627F91}"/>
+              </a:ext>
+              <a:ext uri="{C183D7F6-B498-43B3-948B-1728B52AA6E4}">
+                <adec:decorative xmlns:adec="http://schemas.microsoft.com/office/drawing/2017/decorative" val="1"/>
+              </a:ext>
+            </a:extLst>
+          </p:cNvPr>
+          <p:cNvPicPr>
+            <a:picLocks noGrp="1" noRot="1" noChangeAspect="1" noMove="1" noResize="1" noEditPoints="1" noAdjustHandles="1" noChangeArrowheads="1" noChangeShapeType="1" noCrop="1"/>
+          </p:cNvPicPr>
+          <p:nvPr>
+            <p:extLst>
+              <p:ext uri="{386F3935-93C4-4BCD-93E2-E3B085C9AB24}">
+                <p16:designElem xmlns:p16="http://schemas.microsoft.com/office/powerpoint/2015/main" val="1"/>
+              </p:ext>
+            </p:extLst>
+          </p:nvPr>
+        </p:nvPicPr>
+        <p:blipFill>
+          <a:blip r:embed="rId2">
+            <a:alphaModFix amt="10000"/>
+            <a:extLst>
+              <a:ext uri="{28A0092B-C50C-407E-A947-70E740481C1C}">
+                <a14:useLocalDpi xmlns:a14="http://schemas.microsoft.com/office/drawing/2010/main" val="0"/>
+              </a:ext>
+            </a:extLst>
+          </a:blip>
+          <a:stretch>
+            <a:fillRect/>
+          </a:stretch>
+        </p:blipFill>
+        <p:spPr>
+          <a:xfrm>
+            <a:off x="0" y="0"/>
+            <a:ext cx="12192000" cy="6858000"/>
+          </a:xfrm>
+          <a:prstGeom prst="rect">
+            <a:avLst/>
+          </a:prstGeom>
+        </p:spPr>
+      </p:pic>
+      <p:pic>
+        <p:nvPicPr>
+          <p:cNvPr id="9225" name="Picture 9224">
+            <a:extLst>
+              <a:ext uri="{FF2B5EF4-FFF2-40B4-BE49-F238E27FC236}">
+                <a16:creationId xmlns:a16="http://schemas.microsoft.com/office/drawing/2014/main" id="{5B5FB5AC-39B2-4094-B486-0FCD501D5044}"/>
+              </a:ext>
+              <a:ext uri="{C183D7F6-B498-43B3-948B-1728B52AA6E4}">
+                <adec:decorative xmlns:adec="http://schemas.microsoft.com/office/drawing/2017/decorative" val="1"/>
+              </a:ext>
+            </a:extLst>
+          </p:cNvPr>
+          <p:cNvPicPr>
+            <a:picLocks noGrp="1" noRot="1" noChangeAspect="1" noMove="1" noResize="1" noEditPoints="1" noAdjustHandles="1" noChangeArrowheads="1" noChangeShapeType="1" noCrop="1"/>
+          </p:cNvPicPr>
+          <p:nvPr>
+            <p:extLst>
+              <p:ext uri="{386F3935-93C4-4BCD-93E2-E3B085C9AB24}">
+                <p16:designElem xmlns:p16="http://schemas.microsoft.com/office/powerpoint/2015/main" val="1"/>
+              </p:ext>
+            </p:extLst>
+          </p:nvPr>
+        </p:nvPicPr>
+        <p:blipFill>
+          <a:blip r:embed="rId3">
+            <a:extLst>
+              <a:ext uri="{28A0092B-C50C-407E-A947-70E740481C1C}">
+                <a14:useLocalDpi xmlns:a14="http://schemas.microsoft.com/office/drawing/2010/main" val="0"/>
+              </a:ext>
+            </a:extLst>
+          </a:blip>
+          <a:stretch>
+            <a:fillRect/>
+          </a:stretch>
+        </p:blipFill>
+        <p:spPr>
+          <a:xfrm>
+            <a:off x="1" y="4242851"/>
+            <a:ext cx="8968084" cy="275942"/>
+          </a:xfrm>
+          <a:prstGeom prst="rect">
+            <a:avLst/>
+          </a:prstGeom>
+        </p:spPr>
+      </p:pic>
+      <p:pic>
+        <p:nvPicPr>
+          <p:cNvPr id="9227" name="Picture 9226">
+            <a:extLst>
+              <a:ext uri="{FF2B5EF4-FFF2-40B4-BE49-F238E27FC236}">
+                <a16:creationId xmlns:a16="http://schemas.microsoft.com/office/drawing/2014/main" id="{7150CFE4-97B0-48C6-ACD6-9399CBA11906}"/>
+              </a:ext>
+              <a:ext uri="{C183D7F6-B498-43B3-948B-1728B52AA6E4}">
+                <adec:decorative xmlns:adec="http://schemas.microsoft.com/office/drawing/2017/decorative" val="1"/>
+              </a:ext>
+            </a:extLst>
+          </p:cNvPr>
+          <p:cNvPicPr>
+            <a:picLocks noGrp="1" noRot="1" noChangeAspect="1" noMove="1" noResize="1" noEditPoints="1" noAdjustHandles="1" noChangeArrowheads="1" noChangeShapeType="1" noCrop="1"/>
+          </p:cNvPicPr>
+          <p:nvPr>
+            <p:extLst>
+              <p:ext uri="{386F3935-93C4-4BCD-93E2-E3B085C9AB24}">
+                <p16:designElem xmlns:p16="http://schemas.microsoft.com/office/powerpoint/2015/main" val="1"/>
+              </p:ext>
+            </p:extLst>
+          </p:nvPr>
+        </p:nvPicPr>
+        <p:blipFill>
+          <a:blip r:embed="rId4">
+            <a:extLst>
+              <a:ext uri="{28A0092B-C50C-407E-A947-70E740481C1C}">
+                <a14:useLocalDpi xmlns:a14="http://schemas.microsoft.com/office/drawing/2010/main" val="0"/>
+              </a:ext>
+            </a:extLst>
+          </a:blip>
+          <a:stretch>
+            <a:fillRect/>
+          </a:stretch>
+        </p:blipFill>
+        <p:spPr>
+          <a:xfrm>
+            <a:off x="9111716" y="4243845"/>
+            <a:ext cx="3077108" cy="276940"/>
+          </a:xfrm>
+          <a:prstGeom prst="rect">
+            <a:avLst/>
+          </a:prstGeom>
+        </p:spPr>
+      </p:pic>
+      <p:sp>
+        <p:nvSpPr>
+          <p:cNvPr id="9229" name="Rectangle 9228">
+            <a:extLst>
+              <a:ext uri="{FF2B5EF4-FFF2-40B4-BE49-F238E27FC236}">
+                <a16:creationId xmlns:a16="http://schemas.microsoft.com/office/drawing/2014/main" id="{A3C6F7F0-46EA-4F8E-A112-1B517C2B5A00}"/>
+              </a:ext>
+              <a:ext uri="{C183D7F6-B498-43B3-948B-1728B52AA6E4}">
+                <adec:decorative xmlns:adec="http://schemas.microsoft.com/office/drawing/2017/decorative" val="1"/>
+              </a:ext>
+            </a:extLst>
+          </p:cNvPr>
+          <p:cNvSpPr>
+            <a:spLocks noGrp="1" noRot="1" noChangeAspect="1" noMove="1" noResize="1" noEditPoints="1" noAdjustHandles="1" noChangeArrowheads="1" noChangeShapeType="1" noTextEdit="1"/>
+          </p:cNvSpPr>
+          <p:nvPr>
+            <p:extLst>
+              <p:ext uri="{386F3935-93C4-4BCD-93E2-E3B085C9AB24}">
+                <p16:designElem xmlns:p16="http://schemas.microsoft.com/office/powerpoint/2015/main" val="1"/>
+              </p:ext>
+            </p:extLst>
+          </p:nvPr>
+        </p:nvSpPr>
+        <p:spPr>
+          <a:xfrm>
+            <a:off x="0" y="2590078"/>
+            <a:ext cx="8968085" cy="1660332"/>
+          </a:xfrm>
+          <a:prstGeom prst="rect">
+            <a:avLst/>
+          </a:prstGeom>
+          <a:solidFill>
+            <a:schemeClr val="bg1">
+              <a:lumMod val="85000"/>
+              <a:lumOff val="15000"/>
+            </a:schemeClr>
+          </a:solidFill>
+          <a:ln>
+            <a:noFill/>
+          </a:ln>
+        </p:spPr>
+        <p:style>
+          <a:lnRef idx="2">
+            <a:schemeClr val="accent1">
+              <a:shade val="50000"/>
+            </a:schemeClr>
+          </a:lnRef>
+          <a:fillRef idx="1">
+            <a:schemeClr val="accent1"/>
+          </a:fillRef>
+          <a:effectRef idx="0">
+            <a:schemeClr val="accent1"/>
+          </a:effectRef>
+          <a:fontRef idx="minor">
+            <a:schemeClr val="lt1"/>
+          </a:fontRef>
+        </p:style>
+        <p:txBody>
+          <a:bodyPr/>
+          <a:lstStyle/>
+          <a:p>
+            <a:endParaRPr lang="es-EC"/>
+          </a:p>
+        </p:txBody>
+      </p:sp>
+      <p:sp>
+        <p:nvSpPr>
+          <p:cNvPr id="9231" name="Rectangle 9230">
+            <a:extLst>
+              <a:ext uri="{FF2B5EF4-FFF2-40B4-BE49-F238E27FC236}">
+                <a16:creationId xmlns:a16="http://schemas.microsoft.com/office/drawing/2014/main" id="{1691A3CC-CDA1-4C3B-9150-FCFB5373D82B}"/>
+              </a:ext>
+              <a:ext uri="{C183D7F6-B498-43B3-948B-1728B52AA6E4}">
+                <adec:decorative xmlns:adec="http://schemas.microsoft.com/office/drawing/2017/decorative" val="1"/>
+              </a:ext>
+            </a:extLst>
+          </p:cNvPr>
+          <p:cNvSpPr>
+            <a:spLocks noGrp="1" noRot="1" noChangeAspect="1" noMove="1" noResize="1" noEditPoints="1" noAdjustHandles="1" noChangeArrowheads="1" noChangeShapeType="1" noTextEdit="1"/>
+          </p:cNvSpPr>
+          <p:nvPr>
+            <p:extLst>
+              <p:ext uri="{386F3935-93C4-4BCD-93E2-E3B085C9AB24}">
+                <p16:designElem xmlns:p16="http://schemas.microsoft.com/office/powerpoint/2015/main" val="1"/>
+              </p:ext>
+            </p:extLst>
+          </p:nvPr>
+        </p:nvSpPr>
+        <p:spPr>
+          <a:xfrm>
+            <a:off x="9111715" y="2590078"/>
+            <a:ext cx="3077109" cy="1660332"/>
+          </a:xfrm>
+          <a:prstGeom prst="rect">
+            <a:avLst/>
+          </a:prstGeom>
+          <a:solidFill>
+            <a:schemeClr val="accent1"/>
+          </a:solidFill>
+          <a:ln>
+            <a:noFill/>
+          </a:ln>
+        </p:spPr>
+        <p:style>
+          <a:lnRef idx="2">
+            <a:schemeClr val="accent1">
+              <a:shade val="50000"/>
+            </a:schemeClr>
+          </a:lnRef>
+          <a:fillRef idx="1">
+            <a:schemeClr val="accent1"/>
+          </a:fillRef>
+          <a:effectRef idx="0">
+            <a:schemeClr val="accent1"/>
+          </a:effectRef>
+          <a:fontRef idx="minor">
+            <a:schemeClr val="lt1"/>
+          </a:fontRef>
+        </p:style>
+        <p:txBody>
+          <a:bodyPr/>
+          <a:lstStyle/>
+          <a:p>
+            <a:endParaRPr lang="es-EC"/>
+          </a:p>
+        </p:txBody>
+      </p:sp>
+      <p:sp useBgFill="1">
+        <p:nvSpPr>
+          <p:cNvPr id="9233" name="Rectangle 9232">
+            <a:extLst>
+              <a:ext uri="{FF2B5EF4-FFF2-40B4-BE49-F238E27FC236}">
+                <a16:creationId xmlns:a16="http://schemas.microsoft.com/office/drawing/2014/main" id="{C8221A89-FE35-4C46-8874-69154D2A8CCA}"/>
+              </a:ext>
+              <a:ext uri="{C183D7F6-B498-43B3-948B-1728B52AA6E4}">
+                <adec:decorative xmlns:adec="http://schemas.microsoft.com/office/drawing/2017/decorative" val="1"/>
+              </a:ext>
+            </a:extLst>
+          </p:cNvPr>
+          <p:cNvSpPr>
+            <a:spLocks noGrp="1" noRot="1" noChangeAspect="1" noMove="1" noResize="1" noEditPoints="1" noAdjustHandles="1" noChangeArrowheads="1" noChangeShapeType="1" noTextEdit="1"/>
+          </p:cNvSpPr>
+          <p:nvPr>
+            <p:extLst>
+              <p:ext uri="{386F3935-93C4-4BCD-93E2-E3B085C9AB24}">
+                <p16:designElem xmlns:p16="http://schemas.microsoft.com/office/powerpoint/2015/main" val="1"/>
+              </p:ext>
+            </p:extLst>
+          </p:nvPr>
+        </p:nvSpPr>
+        <p:spPr>
+          <a:xfrm>
+            <a:off x="0" y="-1"/>
+            <a:ext cx="12188824" cy="6858001"/>
+          </a:xfrm>
+          <a:prstGeom prst="rect">
+            <a:avLst/>
+          </a:prstGeom>
+          <a:ln>
+            <a:noFill/>
+          </a:ln>
+        </p:spPr>
+        <p:style>
+          <a:lnRef idx="2">
+            <a:schemeClr val="accent1">
+              <a:shade val="50000"/>
+            </a:schemeClr>
+          </a:lnRef>
+          <a:fillRef idx="1">
+            <a:schemeClr val="accent1"/>
+          </a:fillRef>
+          <a:effectRef idx="0">
+            <a:schemeClr val="accent1"/>
+          </a:effectRef>
+          <a:fontRef idx="minor">
+            <a:schemeClr val="lt1"/>
+          </a:fontRef>
+        </p:style>
+        <p:txBody>
+          <a:bodyPr rtlCol="0" anchor="ctr"/>
+          <a:lstStyle/>
+          <a:p>
+            <a:pPr algn="ctr"/>
+            <a:endParaRPr lang="en-US"/>
+          </a:p>
+        </p:txBody>
+      </p:sp>
+      <p:pic>
+        <p:nvPicPr>
+          <p:cNvPr id="9218" name="Picture 2" descr="Test Writing in English | Testing and Assessment | English EFL">
+            <a:extLst>
+              <a:ext uri="{FF2B5EF4-FFF2-40B4-BE49-F238E27FC236}">
+                <a16:creationId xmlns:a16="http://schemas.microsoft.com/office/drawing/2014/main" id="{BA006C4A-7541-2D0C-D6C7-4B1526F6AF3A}"/>
+              </a:ext>
+            </a:extLst>
+          </p:cNvPr>
+          <p:cNvPicPr>
+            <a:picLocks noChangeAspect="1" noChangeArrowheads="1"/>
+          </p:cNvPicPr>
+          <p:nvPr/>
+        </p:nvPicPr>
+        <p:blipFill>
+          <a:blip r:embed="rId5">
+            <a:duotone>
+              <a:schemeClr val="bg2">
+                <a:shade val="45000"/>
+                <a:satMod val="135000"/>
+              </a:schemeClr>
+              <a:prstClr val="white"/>
+            </a:duotone>
+            <a:alphaModFix amt="41000"/>
+            <a:extLst>
+              <a:ext uri="{28A0092B-C50C-407E-A947-70E740481C1C}">
+                <a14:useLocalDpi xmlns:a14="http://schemas.microsoft.com/office/drawing/2010/main" val="0"/>
+              </a:ext>
+            </a:extLst>
+          </a:blip>
+          <a:srcRect/>
+          <a:stretch>
+            <a:fillRect/>
+          </a:stretch>
+        </p:blipFill>
+        <p:spPr bwMode="auto">
+          <a:xfrm>
+            <a:off x="-3176" y="10"/>
+            <a:ext cx="12192000" cy="6857991"/>
+          </a:xfrm>
+          <a:prstGeom prst="rect">
+            <a:avLst/>
+          </a:prstGeom>
+          <a:noFill/>
+          <a:extLst>
+            <a:ext uri="{909E8E84-426E-40DD-AFC4-6F175D3DCCD1}">
+              <a14:hiddenFill xmlns:a14="http://schemas.microsoft.com/office/drawing/2010/main">
+                <a:solidFill>
+                  <a:srgbClr val="FFFFFF"/>
+                </a:solidFill>
+              </a14:hiddenFill>
+            </a:ext>
+          </a:extLst>
+        </p:spPr>
+      </p:pic>
+      <p:sp>
+        <p:nvSpPr>
+          <p:cNvPr id="9235" name="Rectangle 9234">
+            <a:extLst>
+              <a:ext uri="{FF2B5EF4-FFF2-40B4-BE49-F238E27FC236}">
+                <a16:creationId xmlns:a16="http://schemas.microsoft.com/office/drawing/2014/main" id="{259ACC7A-6809-44E9-A594-85696A6C2BED}"/>
+              </a:ext>
+              <a:ext uri="{C183D7F6-B498-43B3-948B-1728B52AA6E4}">
+                <adec:decorative xmlns:adec="http://schemas.microsoft.com/office/drawing/2017/decorative" val="1"/>
+              </a:ext>
+            </a:extLst>
+          </p:cNvPr>
+          <p:cNvSpPr>
+            <a:spLocks noGrp="1" noRot="1" noChangeAspect="1" noMove="1" noResize="1" noEditPoints="1" noAdjustHandles="1" noChangeArrowheads="1" noChangeShapeType="1" noTextEdit="1"/>
+          </p:cNvSpPr>
+          <p:nvPr>
+            <p:extLst>
+              <p:ext uri="{386F3935-93C4-4BCD-93E2-E3B085C9AB24}">
+                <p16:designElem xmlns:p16="http://schemas.microsoft.com/office/powerpoint/2015/main" val="1"/>
+              </p:ext>
+            </p:extLst>
+          </p:nvPr>
+        </p:nvSpPr>
+        <p:spPr bwMode="grayWhite">
+          <a:xfrm>
+            <a:off x="0" y="4249541"/>
+            <a:ext cx="8968085" cy="1660332"/>
+          </a:xfrm>
+          <a:prstGeom prst="rect">
+            <a:avLst/>
+          </a:prstGeom>
+          <a:solidFill>
+            <a:schemeClr val="bg1">
+              <a:lumMod val="95000"/>
+              <a:lumOff val="5000"/>
+              <a:alpha val="90000"/>
+            </a:schemeClr>
+          </a:solidFill>
+          <a:ln>
+            <a:noFill/>
+          </a:ln>
+        </p:spPr>
+        <p:style>
+          <a:lnRef idx="2">
+            <a:schemeClr val="accent1">
+              <a:shade val="50000"/>
+            </a:schemeClr>
+          </a:lnRef>
+          <a:fillRef idx="1">
+            <a:schemeClr val="accent1"/>
+          </a:fillRef>
+          <a:effectRef idx="0">
+            <a:schemeClr val="accent1"/>
+          </a:effectRef>
+          <a:fontRef idx="minor">
+            <a:schemeClr val="lt1"/>
+          </a:fontRef>
+        </p:style>
+        <p:txBody>
+          <a:bodyPr/>
+          <a:lstStyle/>
+          <a:p>
+            <a:endParaRPr lang="es-EC"/>
+          </a:p>
+        </p:txBody>
+      </p:sp>
+      <p:sp>
+        <p:nvSpPr>
+          <p:cNvPr id="2" name="Título 1">
+            <a:extLst>
+              <a:ext uri="{FF2B5EF4-FFF2-40B4-BE49-F238E27FC236}">
+                <a16:creationId xmlns:a16="http://schemas.microsoft.com/office/drawing/2014/main" id="{D1AC8D7C-EA32-9529-3FC9-093A718ADBD7}"/>
+              </a:ext>
+            </a:extLst>
+          </p:cNvPr>
+          <p:cNvSpPr>
+            <a:spLocks noGrp="1"/>
+          </p:cNvSpPr>
+          <p:nvPr>
+            <p:ph type="title"/>
+          </p:nvPr>
+        </p:nvSpPr>
+        <p:spPr>
+          <a:xfrm>
+            <a:off x="680322" y="4402667"/>
+            <a:ext cx="8133478" cy="940240"/>
+          </a:xfrm>
+        </p:spPr>
+        <p:txBody>
+          <a:bodyPr vert="horz" lIns="91440" tIns="45720" rIns="91440" bIns="45720" rtlCol="0" anchor="b">
+            <a:normAutofit/>
+          </a:bodyPr>
+          <a:lstStyle/>
+          <a:p>
+            <a:pPr algn="r"/>
+            <a:r>
+              <a:rPr lang="en-US" sz="4800"/>
+              <a:t>TESTS </a:t>
+            </a:r>
+          </a:p>
+        </p:txBody>
+      </p:sp>
+      <p:sp>
+        <p:nvSpPr>
+          <p:cNvPr id="9237" name="Rectangle 9236">
+            <a:extLst>
+              <a:ext uri="{FF2B5EF4-FFF2-40B4-BE49-F238E27FC236}">
+                <a16:creationId xmlns:a16="http://schemas.microsoft.com/office/drawing/2014/main" id="{79E62B6A-C5F9-4D52-9F66-8777358274F9}"/>
+              </a:ext>
+              <a:ext uri="{C183D7F6-B498-43B3-948B-1728B52AA6E4}">
+                <adec:decorative xmlns:adec="http://schemas.microsoft.com/office/drawing/2017/decorative" val="1"/>
+              </a:ext>
+            </a:extLst>
+          </p:cNvPr>
+          <p:cNvSpPr>
+            <a:spLocks noGrp="1" noRot="1" noChangeAspect="1" noMove="1" noResize="1" noEditPoints="1" noAdjustHandles="1" noChangeArrowheads="1" noChangeShapeType="1" noTextEdit="1"/>
+          </p:cNvSpPr>
+          <p:nvPr>
+            <p:extLst>
+              <p:ext uri="{386F3935-93C4-4BCD-93E2-E3B085C9AB24}">
+                <p16:designElem xmlns:p16="http://schemas.microsoft.com/office/powerpoint/2015/main" val="1"/>
+              </p:ext>
+            </p:extLst>
+          </p:nvPr>
+        </p:nvSpPr>
+        <p:spPr>
+          <a:xfrm>
+            <a:off x="9111715" y="4249541"/>
+            <a:ext cx="3077109" cy="1660332"/>
+          </a:xfrm>
+          <a:prstGeom prst="rect">
+            <a:avLst/>
+          </a:prstGeom>
+          <a:solidFill>
+            <a:schemeClr val="accent1"/>
+          </a:solidFill>
+          <a:ln>
+            <a:noFill/>
+          </a:ln>
+        </p:spPr>
+        <p:style>
+          <a:lnRef idx="2">
+            <a:schemeClr val="accent1">
+              <a:shade val="50000"/>
+            </a:schemeClr>
+          </a:lnRef>
+          <a:fillRef idx="1">
+            <a:schemeClr val="accent1"/>
+          </a:fillRef>
+          <a:effectRef idx="0">
+            <a:schemeClr val="accent1"/>
+          </a:effectRef>
+          <a:fontRef idx="minor">
+            <a:schemeClr val="lt1"/>
+          </a:fontRef>
+        </p:style>
+        <p:txBody>
+          <a:bodyPr/>
+          <a:lstStyle/>
+          <a:p>
+            <a:endParaRPr lang="es-EC"/>
+          </a:p>
+        </p:txBody>
+      </p:sp>
+      <p:sp>
+        <p:nvSpPr>
+          <p:cNvPr id="9239" name="Rectangle 9238">
+            <a:extLst>
+              <a:ext uri="{FF2B5EF4-FFF2-40B4-BE49-F238E27FC236}">
+                <a16:creationId xmlns:a16="http://schemas.microsoft.com/office/drawing/2014/main" id="{95F95C49-E748-4D32-8417-22E5B6A6F5E1}"/>
+              </a:ext>
+              <a:ext uri="{C183D7F6-B498-43B3-948B-1728B52AA6E4}">
+                <adec:decorative xmlns:adec="http://schemas.microsoft.com/office/drawing/2017/decorative" val="1"/>
+              </a:ext>
+            </a:extLst>
+          </p:cNvPr>
+          <p:cNvSpPr>
+            <a:spLocks noGrp="1" noRot="1" noChangeAspect="1" noMove="1" noResize="1" noEditPoints="1" noAdjustHandles="1" noChangeArrowheads="1" noChangeShapeType="1" noTextEdit="1"/>
+          </p:cNvSpPr>
+          <p:nvPr>
+            <p:extLst>
+              <p:ext uri="{386F3935-93C4-4BCD-93E2-E3B085C9AB24}">
+                <p16:designElem xmlns:p16="http://schemas.microsoft.com/office/powerpoint/2015/main" val="1"/>
+              </p:ext>
+            </p:extLst>
+          </p:nvPr>
+        </p:nvSpPr>
+        <p:spPr>
+          <a:xfrm>
+            <a:off x="0" y="5902314"/>
+            <a:ext cx="8968085" cy="275942"/>
+          </a:xfrm>
+          <a:prstGeom prst="rect">
+            <a:avLst/>
+          </a:prstGeom>
+          <a:blipFill>
+            <a:blip r:embed="rId6"/>
+            <a:stretch>
+              <a:fillRect/>
+            </a:stretch>
+          </a:blipFill>
+          <a:ln>
+            <a:noFill/>
+          </a:ln>
+        </p:spPr>
+        <p:style>
+          <a:lnRef idx="2">
+            <a:schemeClr val="accent1">
+              <a:shade val="50000"/>
+            </a:schemeClr>
+          </a:lnRef>
+          <a:fillRef idx="1">
+            <a:schemeClr val="accent1"/>
+          </a:fillRef>
+          <a:effectRef idx="0">
+            <a:schemeClr val="accent1"/>
+          </a:effectRef>
+          <a:fontRef idx="minor">
+            <a:schemeClr val="lt1"/>
+          </a:fontRef>
+        </p:style>
+        <p:txBody>
+          <a:bodyPr rtlCol="0" anchor="ctr"/>
+          <a:lstStyle/>
+          <a:p>
+            <a:pPr algn="ctr"/>
+            <a:endParaRPr lang="en-US"/>
+          </a:p>
+        </p:txBody>
+      </p:sp>
+      <p:sp>
+        <p:nvSpPr>
+          <p:cNvPr id="9241" name="Rectangle 9240">
+            <a:extLst>
+              <a:ext uri="{FF2B5EF4-FFF2-40B4-BE49-F238E27FC236}">
+                <a16:creationId xmlns:a16="http://schemas.microsoft.com/office/drawing/2014/main" id="{E2AE10EC-5E3B-4FC0-B43F-1E44500096E5}"/>
+              </a:ext>
+              <a:ext uri="{C183D7F6-B498-43B3-948B-1728B52AA6E4}">
+                <adec:decorative xmlns:adec="http://schemas.microsoft.com/office/drawing/2017/decorative" val="1"/>
+              </a:ext>
+            </a:extLst>
+          </p:cNvPr>
+          <p:cNvSpPr>
+            <a:spLocks noGrp="1" noRot="1" noChangeAspect="1" noMove="1" noResize="1" noEditPoints="1" noAdjustHandles="1" noChangeArrowheads="1" noChangeShapeType="1" noTextEdit="1"/>
+          </p:cNvSpPr>
+          <p:nvPr>
+            <p:extLst>
+              <p:ext uri="{386F3935-93C4-4BCD-93E2-E3B085C9AB24}">
+                <p16:designElem xmlns:p16="http://schemas.microsoft.com/office/powerpoint/2015/main" val="1"/>
+              </p:ext>
+            </p:extLst>
+          </p:nvPr>
+        </p:nvSpPr>
+        <p:spPr>
+          <a:xfrm>
+            <a:off x="9111715" y="5902314"/>
+            <a:ext cx="3080285" cy="275942"/>
+          </a:xfrm>
+          <a:prstGeom prst="rect">
+            <a:avLst/>
+          </a:prstGeom>
+          <a:blipFill>
+            <a:blip r:embed="rId7"/>
+            <a:stretch>
+              <a:fillRect/>
+            </a:stretch>
+          </a:blipFill>
+          <a:ln>
+            <a:noFill/>
+          </a:ln>
+        </p:spPr>
+        <p:style>
+          <a:lnRef idx="2">
+            <a:schemeClr val="accent1">
+              <a:shade val="50000"/>
+            </a:schemeClr>
+          </a:lnRef>
+          <a:fillRef idx="1">
+            <a:schemeClr val="accent1"/>
+          </a:fillRef>
+          <a:effectRef idx="0">
+            <a:schemeClr val="accent1"/>
+          </a:effectRef>
+          <a:fontRef idx="minor">
+            <a:schemeClr val="lt1"/>
+          </a:fontRef>
+        </p:style>
+        <p:txBody>
+          <a:bodyPr rtlCol="0" anchor="ctr"/>
+          <a:lstStyle/>
+          <a:p>
+            <a:pPr algn="ctr"/>
+            <a:endParaRPr lang="en-US"/>
+          </a:p>
+        </p:txBody>
+      </p:sp>
+    </p:spTree>
+    <p:extLst>
+      <p:ext uri="{BB962C8B-B14F-4D97-AF65-F5344CB8AC3E}">
+        <p14:creationId xmlns:p14="http://schemas.microsoft.com/office/powerpoint/2010/main" val="1355471709"/>
+      </p:ext>
+    </p:extLst>
+  </p:cSld>
+  <p:clrMapOvr>
+    <a:masterClrMapping/>
+  </p:clrMapOvr>
+</p:sld>
+</file>
+
+<file path=ppt/slides/slide11.xml><?xml version="1.0" encoding="utf-8"?>
+<p:sld xmlns:a="http://schemas.openxmlformats.org/drawingml/2006/main" xmlns:r="http://schemas.openxmlformats.org/officeDocument/2006/relationships" xmlns:p="http://schemas.openxmlformats.org/presentationml/2006/main">
+  <p:cSld>
+    <p:spTree>
+      <p:nvGrpSpPr>
+        <p:cNvPr id="1" name=""/>
+        <p:cNvGrpSpPr/>
+        <p:nvPr/>
+      </p:nvGrpSpPr>
+      <p:grpSpPr>
+        <a:xfrm>
+          <a:off x="0" y="0"/>
+          <a:ext cx="0" cy="0"/>
+          <a:chOff x="0" y="0"/>
+          <a:chExt cx="0" cy="0"/>
+        </a:xfrm>
+      </p:grpSpPr>
+      <p:sp>
+        <p:nvSpPr>
+          <p:cNvPr id="2" name="Título 1">
+            <a:extLst>
+              <a:ext uri="{FF2B5EF4-FFF2-40B4-BE49-F238E27FC236}">
+                <a16:creationId xmlns:a16="http://schemas.microsoft.com/office/drawing/2014/main" id="{048D43A6-5082-C0F5-30C7-D09130ADC055}"/>
+              </a:ext>
+            </a:extLst>
+          </p:cNvPr>
+          <p:cNvSpPr>
+            <a:spLocks noGrp="1"/>
+          </p:cNvSpPr>
+          <p:nvPr>
+            <p:ph type="title"/>
+          </p:nvPr>
+        </p:nvSpPr>
+        <p:spPr/>
+        <p:txBody>
+          <a:bodyPr/>
+          <a:lstStyle/>
+          <a:p>
+            <a:r>
+              <a:rPr lang="es-EC" dirty="0" err="1"/>
+              <a:t>Viewer</a:t>
+            </a:r>
+            <a:r>
+              <a:rPr lang="es-EC" dirty="0"/>
+              <a:t> </a:t>
+            </a:r>
+            <a:r>
+              <a:rPr lang="es-EC" dirty="0" err="1"/>
+              <a:t>trying</a:t>
+            </a:r>
+            <a:r>
+              <a:rPr lang="es-EC" dirty="0"/>
+              <a:t> </a:t>
+            </a:r>
+            <a:r>
+              <a:rPr lang="es-EC" dirty="0" err="1"/>
+              <a:t>to</a:t>
+            </a:r>
+            <a:r>
+              <a:rPr lang="es-EC" dirty="0"/>
+              <a:t> </a:t>
+            </a:r>
+            <a:r>
+              <a:rPr lang="es-EC" dirty="0" err="1"/>
+              <a:t>read</a:t>
+            </a:r>
+            <a:r>
+              <a:rPr lang="es-EC" dirty="0"/>
+              <a:t> </a:t>
+            </a:r>
+            <a:r>
+              <a:rPr lang="es-EC" dirty="0" err="1"/>
+              <a:t>userLogs</a:t>
+            </a:r>
+            <a:endParaRPr lang="es-EC" dirty="0"/>
+          </a:p>
+        </p:txBody>
+      </p:sp>
+      <p:pic>
+        <p:nvPicPr>
+          <p:cNvPr id="7" name="Imagen 6">
+            <a:extLst>
+              <a:ext uri="{FF2B5EF4-FFF2-40B4-BE49-F238E27FC236}">
+                <a16:creationId xmlns:a16="http://schemas.microsoft.com/office/drawing/2014/main" id="{70C925C9-1EFA-3F9C-4B22-AAD88B217C22}"/>
+              </a:ext>
+            </a:extLst>
+          </p:cNvPr>
+          <p:cNvPicPr>
+            <a:picLocks noChangeAspect="1"/>
+          </p:cNvPicPr>
+          <p:nvPr/>
+        </p:nvPicPr>
+        <p:blipFill>
+          <a:blip r:embed="rId2"/>
+          <a:srcRect b="12716"/>
+          <a:stretch>
+            <a:fillRect/>
+          </a:stretch>
+        </p:blipFill>
+        <p:spPr>
+          <a:xfrm>
+            <a:off x="1949949" y="2447181"/>
+            <a:ext cx="7544853" cy="3550498"/>
+          </a:xfrm>
+          <a:prstGeom prst="rect">
+            <a:avLst/>
+          </a:prstGeom>
+        </p:spPr>
+      </p:pic>
+    </p:spTree>
+    <p:extLst>
+      <p:ext uri="{BB962C8B-B14F-4D97-AF65-F5344CB8AC3E}">
+        <p14:creationId xmlns:p14="http://schemas.microsoft.com/office/powerpoint/2010/main" val="827456565"/>
+      </p:ext>
+    </p:extLst>
+  </p:cSld>
+  <p:clrMapOvr>
+    <a:masterClrMapping/>
+  </p:clrMapOvr>
+</p:sld>
+</file>
+
+<file path=ppt/slides/slide12.xml><?xml version="1.0" encoding="utf-8"?>
+<p:sld xmlns:a="http://schemas.openxmlformats.org/drawingml/2006/main" xmlns:r="http://schemas.openxmlformats.org/officeDocument/2006/relationships" xmlns:p="http://schemas.openxmlformats.org/presentationml/2006/main">
+  <p:cSld>
+    <p:spTree>
+      <p:nvGrpSpPr>
+        <p:cNvPr id="1" name=""/>
+        <p:cNvGrpSpPr/>
+        <p:nvPr/>
+      </p:nvGrpSpPr>
+      <p:grpSpPr>
+        <a:xfrm>
+          <a:off x="0" y="0"/>
+          <a:ext cx="0" cy="0"/>
+          <a:chOff x="0" y="0"/>
+          <a:chExt cx="0" cy="0"/>
+        </a:xfrm>
+      </p:grpSpPr>
+      <p:sp>
+        <p:nvSpPr>
+          <p:cNvPr id="2" name="Título 1">
+            <a:extLst>
+              <a:ext uri="{FF2B5EF4-FFF2-40B4-BE49-F238E27FC236}">
+                <a16:creationId xmlns:a16="http://schemas.microsoft.com/office/drawing/2014/main" id="{4F7B0037-F09D-4F50-58C1-D9D0995D75C0}"/>
+              </a:ext>
+            </a:extLst>
+          </p:cNvPr>
+          <p:cNvSpPr>
+            <a:spLocks noGrp="1"/>
+          </p:cNvSpPr>
+          <p:nvPr>
+            <p:ph type="title"/>
+          </p:nvPr>
+        </p:nvSpPr>
+        <p:spPr/>
+        <p:txBody>
+          <a:bodyPr/>
+          <a:lstStyle/>
+          <a:p>
+            <a:r>
+              <a:rPr lang="es-EC" dirty="0"/>
+              <a:t>RESULT</a:t>
+            </a:r>
+          </a:p>
+        </p:txBody>
+      </p:sp>
+      <p:pic>
+        <p:nvPicPr>
+          <p:cNvPr id="5" name="Imagen 4">
+            <a:extLst>
+              <a:ext uri="{FF2B5EF4-FFF2-40B4-BE49-F238E27FC236}">
+                <a16:creationId xmlns:a16="http://schemas.microsoft.com/office/drawing/2014/main" id="{02695AF8-14B6-F6C6-576C-BD1805896315}"/>
+              </a:ext>
+            </a:extLst>
+          </p:cNvPr>
+          <p:cNvPicPr>
+            <a:picLocks noChangeAspect="1"/>
+          </p:cNvPicPr>
+          <p:nvPr/>
+        </p:nvPicPr>
+        <p:blipFill>
+          <a:blip r:embed="rId2"/>
+          <a:stretch>
+            <a:fillRect/>
+          </a:stretch>
+        </p:blipFill>
+        <p:spPr>
+          <a:xfrm>
+            <a:off x="974540" y="2669146"/>
+            <a:ext cx="10242920" cy="2981741"/>
+          </a:xfrm>
+          <a:prstGeom prst="rect">
+            <a:avLst/>
+          </a:prstGeom>
+        </p:spPr>
+      </p:pic>
+      <p:sp>
+        <p:nvSpPr>
+          <p:cNvPr id="6" name="Flecha: hacia la izquierda 5">
+            <a:extLst>
+              <a:ext uri="{FF2B5EF4-FFF2-40B4-BE49-F238E27FC236}">
+                <a16:creationId xmlns:a16="http://schemas.microsoft.com/office/drawing/2014/main" id="{EEAFE568-47AF-B657-6BE9-CCB01D07A37A}"/>
+              </a:ext>
+            </a:extLst>
+          </p:cNvPr>
+          <p:cNvSpPr/>
+          <p:nvPr/>
+        </p:nvSpPr>
+        <p:spPr>
+          <a:xfrm>
+            <a:off x="5904973" y="3989191"/>
+            <a:ext cx="2351314" cy="231113"/>
+          </a:xfrm>
+          <a:prstGeom prst="leftArrow">
+            <a:avLst/>
+          </a:prstGeom>
+          <a:solidFill>
+            <a:srgbClr val="FF0000"/>
+          </a:solidFill>
+          <a:ln>
+            <a:solidFill>
+              <a:schemeClr val="tx1">
+                <a:lumMod val="95000"/>
+              </a:schemeClr>
+            </a:solidFill>
+          </a:ln>
+          <a:effectLst>
+            <a:glow rad="139700">
+              <a:schemeClr val="accent2">
+                <a:satMod val="175000"/>
+                <a:alpha val="40000"/>
+              </a:schemeClr>
+            </a:glow>
+          </a:effectLst>
+        </p:spPr>
+        <p:style>
+          <a:lnRef idx="2">
+            <a:schemeClr val="accent1">
+              <a:shade val="15000"/>
+            </a:schemeClr>
+          </a:lnRef>
+          <a:fillRef idx="1">
+            <a:schemeClr val="accent1"/>
+          </a:fillRef>
+          <a:effectRef idx="0">
+            <a:schemeClr val="accent1"/>
+          </a:effectRef>
+          <a:fontRef idx="minor">
+            <a:schemeClr val="lt1"/>
+          </a:fontRef>
+        </p:style>
+        <p:txBody>
+          <a:bodyPr rtlCol="0" anchor="ctr"/>
+          <a:lstStyle/>
+          <a:p>
+            <a:pPr algn="ctr"/>
+            <a:endParaRPr lang="es-EC">
+              <a:solidFill>
+                <a:srgbClr val="FF0000"/>
+              </a:solidFill>
+            </a:endParaRPr>
+          </a:p>
+        </p:txBody>
+      </p:sp>
+    </p:spTree>
+    <p:extLst>
+      <p:ext uri="{BB962C8B-B14F-4D97-AF65-F5344CB8AC3E}">
+        <p14:creationId xmlns:p14="http://schemas.microsoft.com/office/powerpoint/2010/main" val="3604338684"/>
+      </p:ext>
+    </p:extLst>
+  </p:cSld>
+  <p:clrMapOvr>
+    <a:masterClrMapping/>
+  </p:clrMapOvr>
+</p:sld>
+</file>
+
+<file path=ppt/slides/slide13.xml><?xml version="1.0" encoding="utf-8"?>
+<p:sld xmlns:a="http://schemas.openxmlformats.org/drawingml/2006/main" xmlns:r="http://schemas.openxmlformats.org/officeDocument/2006/relationships" xmlns:p="http://schemas.openxmlformats.org/presentationml/2006/main">
+  <p:cSld>
+    <p:spTree>
+      <p:nvGrpSpPr>
+        <p:cNvPr id="1" name=""/>
+        <p:cNvGrpSpPr/>
+        <p:nvPr/>
+      </p:nvGrpSpPr>
+      <p:grpSpPr>
+        <a:xfrm>
+          <a:off x="0" y="0"/>
+          <a:ext cx="0" cy="0"/>
+          <a:chOff x="0" y="0"/>
+          <a:chExt cx="0" cy="0"/>
+        </a:xfrm>
+      </p:grpSpPr>
+      <p:sp>
+        <p:nvSpPr>
+          <p:cNvPr id="2" name="Título 1">
+            <a:extLst>
+              <a:ext uri="{FF2B5EF4-FFF2-40B4-BE49-F238E27FC236}">
+                <a16:creationId xmlns:a16="http://schemas.microsoft.com/office/drawing/2014/main" id="{DC5B5A52-8BA4-F552-61DC-F9A3EB6784E5}"/>
+              </a:ext>
+            </a:extLst>
+          </p:cNvPr>
+          <p:cNvSpPr>
+            <a:spLocks noGrp="1"/>
+          </p:cNvSpPr>
+          <p:nvPr>
+            <p:ph type="title"/>
+          </p:nvPr>
+        </p:nvSpPr>
+        <p:spPr/>
+        <p:txBody>
+          <a:bodyPr/>
+          <a:lstStyle/>
+          <a:p>
+            <a:r>
+              <a:rPr lang="es-EC" dirty="0" err="1"/>
+              <a:t>Student</a:t>
+            </a:r>
+            <a:r>
+              <a:rPr lang="es-EC" dirty="0"/>
+              <a:t> </a:t>
+            </a:r>
+            <a:r>
+              <a:rPr lang="es-EC" dirty="0" err="1"/>
+              <a:t>trying</a:t>
+            </a:r>
+            <a:r>
+              <a:rPr lang="es-EC" dirty="0"/>
+              <a:t> </a:t>
+            </a:r>
+            <a:r>
+              <a:rPr lang="es-EC" dirty="0" err="1"/>
+              <a:t>to</a:t>
+            </a:r>
+            <a:r>
+              <a:rPr lang="es-EC" dirty="0"/>
+              <a:t> </a:t>
+            </a:r>
+            <a:r>
+              <a:rPr lang="es-EC" dirty="0" err="1"/>
+              <a:t>write</a:t>
+            </a:r>
+            <a:r>
+              <a:rPr lang="es-EC" dirty="0"/>
+              <a:t> </a:t>
+            </a:r>
+            <a:r>
+              <a:rPr lang="es-EC" dirty="0" err="1"/>
+              <a:t>questionReports</a:t>
+            </a:r>
+            <a:endParaRPr lang="es-EC" dirty="0"/>
+          </a:p>
+        </p:txBody>
+      </p:sp>
+      <p:pic>
+        <p:nvPicPr>
+          <p:cNvPr id="5" name="Imagen 4">
+            <a:extLst>
+              <a:ext uri="{FF2B5EF4-FFF2-40B4-BE49-F238E27FC236}">
+                <a16:creationId xmlns:a16="http://schemas.microsoft.com/office/drawing/2014/main" id="{38F89AD7-2670-3B89-A16D-956E3950AD0C}"/>
+              </a:ext>
+            </a:extLst>
+          </p:cNvPr>
+          <p:cNvPicPr>
+            <a:picLocks noChangeAspect="1"/>
+          </p:cNvPicPr>
+          <p:nvPr/>
+        </p:nvPicPr>
+        <p:blipFill>
+          <a:blip r:embed="rId2"/>
+          <a:stretch>
+            <a:fillRect/>
+          </a:stretch>
+        </p:blipFill>
+        <p:spPr>
+          <a:xfrm>
+            <a:off x="1420600" y="2223422"/>
+            <a:ext cx="7897327" cy="4286848"/>
+          </a:xfrm>
+          <a:prstGeom prst="rect">
+            <a:avLst/>
+          </a:prstGeom>
+        </p:spPr>
+      </p:pic>
+    </p:spTree>
+    <p:extLst>
+      <p:ext uri="{BB962C8B-B14F-4D97-AF65-F5344CB8AC3E}">
+        <p14:creationId xmlns:p14="http://schemas.microsoft.com/office/powerpoint/2010/main" val="3319085263"/>
+      </p:ext>
+    </p:extLst>
+  </p:cSld>
+  <p:clrMapOvr>
+    <a:masterClrMapping/>
+  </p:clrMapOvr>
+</p:sld>
+</file>
+
+<file path=ppt/slides/slide14.xml><?xml version="1.0" encoding="utf-8"?>
+<p:sld xmlns:a="http://schemas.openxmlformats.org/drawingml/2006/main" xmlns:r="http://schemas.openxmlformats.org/officeDocument/2006/relationships" xmlns:p="http://schemas.openxmlformats.org/presentationml/2006/main">
+  <p:cSld>
+    <p:spTree>
+      <p:nvGrpSpPr>
+        <p:cNvPr id="1" name=""/>
+        <p:cNvGrpSpPr/>
+        <p:nvPr/>
+      </p:nvGrpSpPr>
+      <p:grpSpPr>
+        <a:xfrm>
+          <a:off x="0" y="0"/>
+          <a:ext cx="0" cy="0"/>
+          <a:chOff x="0" y="0"/>
+          <a:chExt cx="0" cy="0"/>
+        </a:xfrm>
+      </p:grpSpPr>
+      <p:sp>
+        <p:nvSpPr>
+          <p:cNvPr id="2" name="Título 1">
+            <a:extLst>
+              <a:ext uri="{FF2B5EF4-FFF2-40B4-BE49-F238E27FC236}">
+                <a16:creationId xmlns:a16="http://schemas.microsoft.com/office/drawing/2014/main" id="{BA95707E-5E2F-92B9-64E8-425466FA8BB6}"/>
+              </a:ext>
+            </a:extLst>
+          </p:cNvPr>
+          <p:cNvSpPr>
+            <a:spLocks noGrp="1"/>
+          </p:cNvSpPr>
+          <p:nvPr>
+            <p:ph type="title"/>
+          </p:nvPr>
+        </p:nvSpPr>
+        <p:spPr/>
+        <p:txBody>
+          <a:bodyPr/>
+          <a:lstStyle/>
+          <a:p>
+            <a:r>
+              <a:rPr lang="es-EC" dirty="0"/>
+              <a:t>RESULT</a:t>
+            </a:r>
+          </a:p>
+        </p:txBody>
+      </p:sp>
+      <p:pic>
+        <p:nvPicPr>
+          <p:cNvPr id="5" name="Marcador de contenido 4">
+            <a:extLst>
+              <a:ext uri="{FF2B5EF4-FFF2-40B4-BE49-F238E27FC236}">
+                <a16:creationId xmlns:a16="http://schemas.microsoft.com/office/drawing/2014/main" id="{41CE2CE8-BCB0-F38F-CF91-9F6BA18F3A47}"/>
+              </a:ext>
+            </a:extLst>
+          </p:cNvPr>
+          <p:cNvPicPr>
+            <a:picLocks noGrp="1" noChangeAspect="1"/>
+          </p:cNvPicPr>
+          <p:nvPr>
+            <p:ph idx="1"/>
+          </p:nvPr>
+        </p:nvPicPr>
+        <p:blipFill>
+          <a:blip r:embed="rId2"/>
+          <a:stretch>
+            <a:fillRect/>
+          </a:stretch>
+        </p:blipFill>
+        <p:spPr>
+          <a:xfrm>
+            <a:off x="680282" y="2705988"/>
+            <a:ext cx="10338130" cy="2730170"/>
+          </a:xfrm>
+        </p:spPr>
+      </p:pic>
+      <p:sp>
+        <p:nvSpPr>
+          <p:cNvPr id="6" name="Flecha: hacia la izquierda 5">
+            <a:extLst>
+              <a:ext uri="{FF2B5EF4-FFF2-40B4-BE49-F238E27FC236}">
+                <a16:creationId xmlns:a16="http://schemas.microsoft.com/office/drawing/2014/main" id="{5CB2FC2B-4581-9C6C-E23D-177AE0FDBF85}"/>
+              </a:ext>
+            </a:extLst>
+          </p:cNvPr>
+          <p:cNvSpPr/>
+          <p:nvPr/>
+        </p:nvSpPr>
+        <p:spPr>
+          <a:xfrm>
+            <a:off x="3623889" y="3955516"/>
+            <a:ext cx="2351314" cy="231113"/>
+          </a:xfrm>
+          <a:prstGeom prst="leftArrow">
+            <a:avLst/>
+          </a:prstGeom>
+          <a:solidFill>
+            <a:srgbClr val="FF0000"/>
+          </a:solidFill>
+          <a:ln>
+            <a:solidFill>
+              <a:schemeClr val="tx1">
+                <a:lumMod val="95000"/>
+              </a:schemeClr>
+            </a:solidFill>
+          </a:ln>
+          <a:effectLst>
+            <a:glow rad="139700">
+              <a:schemeClr val="accent2">
+                <a:satMod val="175000"/>
+                <a:alpha val="40000"/>
+              </a:schemeClr>
+            </a:glow>
+          </a:effectLst>
+        </p:spPr>
+        <p:style>
+          <a:lnRef idx="2">
+            <a:schemeClr val="accent1">
+              <a:shade val="15000"/>
+            </a:schemeClr>
+          </a:lnRef>
+          <a:fillRef idx="1">
+            <a:schemeClr val="accent1"/>
+          </a:fillRef>
+          <a:effectRef idx="0">
+            <a:schemeClr val="accent1"/>
+          </a:effectRef>
+          <a:fontRef idx="minor">
+            <a:schemeClr val="lt1"/>
+          </a:fontRef>
+        </p:style>
+        <p:txBody>
+          <a:bodyPr rtlCol="0" anchor="ctr"/>
+          <a:lstStyle/>
+          <a:p>
+            <a:pPr algn="ctr"/>
+            <a:endParaRPr lang="es-EC">
+              <a:solidFill>
+                <a:srgbClr val="FF0000"/>
+              </a:solidFill>
+            </a:endParaRPr>
+          </a:p>
+        </p:txBody>
+      </p:sp>
+    </p:spTree>
+    <p:extLst>
+      <p:ext uri="{BB962C8B-B14F-4D97-AF65-F5344CB8AC3E}">
+        <p14:creationId xmlns:p14="http://schemas.microsoft.com/office/powerpoint/2010/main" val="361896270"/>
+      </p:ext>
+    </p:extLst>
+  </p:cSld>
+  <p:clrMapOvr>
+    <a:masterClrMapping/>
+  </p:clrMapOvr>
+</p:sld>
+</file>
+
+<file path=ppt/slides/slide15.xml><?xml version="1.0" encoding="utf-8"?>
+<p:sld xmlns:a="http://schemas.openxmlformats.org/drawingml/2006/main" xmlns:r="http://schemas.openxmlformats.org/officeDocument/2006/relationships" xmlns:p="http://schemas.openxmlformats.org/presentationml/2006/main">
+  <p:cSld>
+    <p:spTree>
+      <p:nvGrpSpPr>
+        <p:cNvPr id="1" name=""/>
+        <p:cNvGrpSpPr/>
+        <p:nvPr/>
+      </p:nvGrpSpPr>
+      <p:grpSpPr>
+        <a:xfrm>
+          <a:off x="0" y="0"/>
+          <a:ext cx="0" cy="0"/>
+          <a:chOff x="0" y="0"/>
+          <a:chExt cx="0" cy="0"/>
+        </a:xfrm>
+      </p:grpSpPr>
+      <p:sp>
+        <p:nvSpPr>
+          <p:cNvPr id="2" name="Título 1">
+            <a:extLst>
+              <a:ext uri="{FF2B5EF4-FFF2-40B4-BE49-F238E27FC236}">
+                <a16:creationId xmlns:a16="http://schemas.microsoft.com/office/drawing/2014/main" id="{6C582C5C-3B6B-1427-C040-AB3826A24E4E}"/>
+              </a:ext>
+            </a:extLst>
+          </p:cNvPr>
+          <p:cNvSpPr>
+            <a:spLocks noGrp="1"/>
+          </p:cNvSpPr>
+          <p:nvPr>
+            <p:ph type="title"/>
+          </p:nvPr>
+        </p:nvSpPr>
+        <p:spPr/>
+        <p:txBody>
+          <a:bodyPr/>
+          <a:lstStyle/>
+          <a:p>
+            <a:r>
+              <a:rPr lang="es-EC" dirty="0" err="1"/>
+              <a:t>Admin</a:t>
+            </a:r>
+            <a:r>
+              <a:rPr lang="es-EC" dirty="0"/>
+              <a:t> </a:t>
+            </a:r>
+            <a:r>
+              <a:rPr lang="es-EC" dirty="0" err="1"/>
+              <a:t>trying</a:t>
+            </a:r>
+            <a:r>
+              <a:rPr lang="es-EC" dirty="0"/>
+              <a:t> </a:t>
+            </a:r>
+            <a:r>
+              <a:rPr lang="es-EC" dirty="0" err="1"/>
+              <a:t>to</a:t>
+            </a:r>
+            <a:r>
+              <a:rPr lang="es-EC" dirty="0"/>
+              <a:t> </a:t>
+            </a:r>
+            <a:r>
+              <a:rPr lang="es-EC" dirty="0" err="1"/>
+              <a:t>write</a:t>
+            </a:r>
+            <a:r>
+              <a:rPr lang="es-EC" dirty="0"/>
+              <a:t> </a:t>
+            </a:r>
+            <a:r>
+              <a:rPr lang="es-EC" dirty="0" err="1"/>
+              <a:t>questionReports</a:t>
+            </a:r>
+            <a:endParaRPr lang="es-EC" dirty="0"/>
+          </a:p>
+        </p:txBody>
+      </p:sp>
+      <p:pic>
+        <p:nvPicPr>
+          <p:cNvPr id="5" name="Imagen 4">
+            <a:extLst>
+              <a:ext uri="{FF2B5EF4-FFF2-40B4-BE49-F238E27FC236}">
+                <a16:creationId xmlns:a16="http://schemas.microsoft.com/office/drawing/2014/main" id="{06D0D896-9176-A984-F00D-3F08BE7CA2CE}"/>
+              </a:ext>
+            </a:extLst>
+          </p:cNvPr>
+          <p:cNvPicPr>
+            <a:picLocks noChangeAspect="1"/>
+          </p:cNvPicPr>
+          <p:nvPr/>
+        </p:nvPicPr>
+        <p:blipFill>
+          <a:blip r:embed="rId2"/>
+          <a:srcRect b="10006"/>
+          <a:stretch>
+            <a:fillRect/>
+          </a:stretch>
+        </p:blipFill>
+        <p:spPr>
+          <a:xfrm>
+            <a:off x="1458593" y="2239869"/>
+            <a:ext cx="8278380" cy="4140835"/>
+          </a:xfrm>
+          <a:prstGeom prst="rect">
+            <a:avLst/>
+          </a:prstGeom>
+        </p:spPr>
+      </p:pic>
+    </p:spTree>
+    <p:extLst>
+      <p:ext uri="{BB962C8B-B14F-4D97-AF65-F5344CB8AC3E}">
+        <p14:creationId xmlns:p14="http://schemas.microsoft.com/office/powerpoint/2010/main" val="2341390637"/>
+      </p:ext>
+    </p:extLst>
+  </p:cSld>
+  <p:clrMapOvr>
+    <a:masterClrMapping/>
+  </p:clrMapOvr>
+</p:sld>
+</file>
+
+<file path=ppt/slides/slide16.xml><?xml version="1.0" encoding="utf-8"?>
+<p:sld xmlns:a="http://schemas.openxmlformats.org/drawingml/2006/main" xmlns:r="http://schemas.openxmlformats.org/officeDocument/2006/relationships" xmlns:p="http://schemas.openxmlformats.org/presentationml/2006/main">
+  <p:cSld>
+    <p:spTree>
+      <p:nvGrpSpPr>
+        <p:cNvPr id="1" name=""/>
+        <p:cNvGrpSpPr/>
+        <p:nvPr/>
+      </p:nvGrpSpPr>
+      <p:grpSpPr>
+        <a:xfrm>
+          <a:off x="0" y="0"/>
+          <a:ext cx="0" cy="0"/>
+          <a:chOff x="0" y="0"/>
+          <a:chExt cx="0" cy="0"/>
+        </a:xfrm>
+      </p:grpSpPr>
+      <p:sp>
+        <p:nvSpPr>
+          <p:cNvPr id="2" name="Título 1">
+            <a:extLst>
+              <a:ext uri="{FF2B5EF4-FFF2-40B4-BE49-F238E27FC236}">
+                <a16:creationId xmlns:a16="http://schemas.microsoft.com/office/drawing/2014/main" id="{0344E7A2-5184-1005-2F70-A14E513BB14D}"/>
+              </a:ext>
+            </a:extLst>
+          </p:cNvPr>
+          <p:cNvSpPr>
+            <a:spLocks noGrp="1"/>
+          </p:cNvSpPr>
+          <p:nvPr>
+            <p:ph type="title"/>
+          </p:nvPr>
+        </p:nvSpPr>
+        <p:spPr/>
+        <p:txBody>
+          <a:bodyPr/>
+          <a:lstStyle/>
+          <a:p>
+            <a:r>
+              <a:rPr lang="es-EC" dirty="0"/>
+              <a:t>RESULT</a:t>
+            </a:r>
+          </a:p>
+        </p:txBody>
+      </p:sp>
+      <p:pic>
+        <p:nvPicPr>
+          <p:cNvPr id="5" name="Imagen 4">
+            <a:extLst>
+              <a:ext uri="{FF2B5EF4-FFF2-40B4-BE49-F238E27FC236}">
+                <a16:creationId xmlns:a16="http://schemas.microsoft.com/office/drawing/2014/main" id="{38FC409E-12C5-59F2-9401-83B8FF425BC1}"/>
+              </a:ext>
+            </a:extLst>
+          </p:cNvPr>
+          <p:cNvPicPr>
+            <a:picLocks noChangeAspect="1"/>
+          </p:cNvPicPr>
+          <p:nvPr/>
+        </p:nvPicPr>
+        <p:blipFill>
+          <a:blip r:embed="rId2"/>
+          <a:stretch>
+            <a:fillRect/>
+          </a:stretch>
+        </p:blipFill>
+        <p:spPr>
+          <a:xfrm>
+            <a:off x="278869" y="2363619"/>
+            <a:ext cx="10850489" cy="3658111"/>
+          </a:xfrm>
+          <a:prstGeom prst="rect">
+            <a:avLst/>
+          </a:prstGeom>
+        </p:spPr>
+      </p:pic>
+      <p:sp>
+        <p:nvSpPr>
+          <p:cNvPr id="6" name="Flecha: hacia la izquierda 5">
+            <a:extLst>
+              <a:ext uri="{FF2B5EF4-FFF2-40B4-BE49-F238E27FC236}">
+                <a16:creationId xmlns:a16="http://schemas.microsoft.com/office/drawing/2014/main" id="{B0CEE19D-418C-0861-E8B7-156BF3CD2A81}"/>
+              </a:ext>
+            </a:extLst>
+          </p:cNvPr>
+          <p:cNvSpPr/>
+          <p:nvPr/>
+        </p:nvSpPr>
+        <p:spPr>
+          <a:xfrm>
+            <a:off x="7854245" y="4387595"/>
+            <a:ext cx="2351314" cy="231113"/>
+          </a:xfrm>
+          <a:prstGeom prst="leftArrow">
+            <a:avLst/>
+          </a:prstGeom>
+          <a:solidFill>
+            <a:srgbClr val="FF0000"/>
+          </a:solidFill>
+          <a:ln>
+            <a:solidFill>
+              <a:schemeClr val="tx1">
+                <a:lumMod val="95000"/>
+              </a:schemeClr>
+            </a:solidFill>
+          </a:ln>
+          <a:effectLst>
+            <a:glow rad="139700">
+              <a:schemeClr val="accent2">
+                <a:satMod val="175000"/>
+                <a:alpha val="40000"/>
+              </a:schemeClr>
+            </a:glow>
+          </a:effectLst>
+        </p:spPr>
+        <p:style>
+          <a:lnRef idx="2">
+            <a:schemeClr val="accent1">
+              <a:shade val="15000"/>
+            </a:schemeClr>
+          </a:lnRef>
+          <a:fillRef idx="1">
+            <a:schemeClr val="accent1"/>
+          </a:fillRef>
+          <a:effectRef idx="0">
+            <a:schemeClr val="accent1"/>
+          </a:effectRef>
+          <a:fontRef idx="minor">
+            <a:schemeClr val="lt1"/>
+          </a:fontRef>
+        </p:style>
+        <p:txBody>
+          <a:bodyPr rtlCol="0" anchor="ctr"/>
+          <a:lstStyle/>
+          <a:p>
+            <a:pPr algn="ctr"/>
+            <a:endParaRPr lang="es-EC">
+              <a:solidFill>
+                <a:srgbClr val="FF0000"/>
+              </a:solidFill>
+            </a:endParaRPr>
+          </a:p>
+        </p:txBody>
+      </p:sp>
+    </p:spTree>
+    <p:extLst>
+      <p:ext uri="{BB962C8B-B14F-4D97-AF65-F5344CB8AC3E}">
+        <p14:creationId xmlns:p14="http://schemas.microsoft.com/office/powerpoint/2010/main" val="1860607856"/>
+      </p:ext>
+    </p:extLst>
+  </p:cSld>
+  <p:clrMapOvr>
+    <a:masterClrMapping/>
+  </p:clrMapOvr>
+</p:sld>
+</file>
+
 <file path=ppt/slides/slide2.xml><?xml version="1.0" encoding="utf-8"?>
 <p:sld xmlns:a="http://schemas.openxmlformats.org/drawingml/2006/main" xmlns:r="http://schemas.openxmlformats.org/officeDocument/2006/relationships" xmlns:p="http://schemas.openxmlformats.org/presentationml/2006/main">
   <p:cSld>
@@ -8488,7 +10066,7 @@
       </p:grpSpPr>
       <p:pic>
         <p:nvPicPr>
-          <p:cNvPr id="78" name="Picture 59">
+          <p:cNvPr id="91" name="Picture 90">
             <a:extLst>
               <a:ext uri="{FF2B5EF4-FFF2-40B4-BE49-F238E27FC236}">
                 <a16:creationId xmlns:a16="http://schemas.microsoft.com/office/drawing/2014/main" id="{5321D838-2C7E-4177-9DD3-DAC78324A2B2}"/>
@@ -8534,7 +10112,7 @@
       </p:pic>
       <p:pic>
         <p:nvPicPr>
-          <p:cNvPr id="79" name="Picture 61">
+          <p:cNvPr id="93" name="Picture 92">
             <a:extLst>
               <a:ext uri="{FF2B5EF4-FFF2-40B4-BE49-F238E27FC236}">
                 <a16:creationId xmlns:a16="http://schemas.microsoft.com/office/drawing/2014/main" id="{0146E45C-1450-4186-B501-74F221F897A8}"/>
@@ -8579,7 +10157,7 @@
       </p:pic>
       <p:pic>
         <p:nvPicPr>
-          <p:cNvPr id="80" name="Picture 63">
+          <p:cNvPr id="95" name="Picture 94">
             <a:extLst>
               <a:ext uri="{FF2B5EF4-FFF2-40B4-BE49-F238E27FC236}">
                 <a16:creationId xmlns:a16="http://schemas.microsoft.com/office/drawing/2014/main" id="{EEDDA48B-BC04-4915-ADA3-A1A9522EB0D1}"/>
@@ -8624,7 +10202,7 @@
       </p:pic>
       <p:sp>
         <p:nvSpPr>
-          <p:cNvPr id="81" name="Rectangle 65">
+          <p:cNvPr id="97" name="Rectangle 96">
             <a:extLst>
               <a:ext uri="{FF2B5EF4-FFF2-40B4-BE49-F238E27FC236}">
                 <a16:creationId xmlns:a16="http://schemas.microsoft.com/office/drawing/2014/main" id="{78C9D07A-5A22-4E55-B18A-47CF07E5080D}"/>
@@ -8689,7 +10267,7 @@
       </p:sp>
       <p:sp>
         <p:nvSpPr>
-          <p:cNvPr id="82" name="Rectangle 67">
+          <p:cNvPr id="99" name="Rectangle 98">
             <a:extLst>
               <a:ext uri="{FF2B5EF4-FFF2-40B4-BE49-F238E27FC236}">
                 <a16:creationId xmlns:a16="http://schemas.microsoft.com/office/drawing/2014/main" id="{3D71E629-0739-4A59-972B-A9E9A4500E31}"/>
@@ -8751,10 +10329,10 @@
       </p:sp>
       <p:sp useBgFill="1">
         <p:nvSpPr>
-          <p:cNvPr id="83" name="Rectangle 69">
+          <p:cNvPr id="101" name="Rectangle 100">
             <a:extLst>
               <a:ext uri="{FF2B5EF4-FFF2-40B4-BE49-F238E27FC236}">
-                <a16:creationId xmlns:a16="http://schemas.microsoft.com/office/drawing/2014/main" id="{4930BBBA-6F9F-4D27-AD61-45935240C80A}"/>
+                <a16:creationId xmlns:a16="http://schemas.microsoft.com/office/drawing/2014/main" id="{068A8980-5323-4E32-9817-A14D0B9184F2}"/>
               </a:ext>
               <a:ext uri="{C183D7F6-B498-43B3-948B-1728B52AA6E4}">
                 <adec:decorative xmlns:adec="http://schemas.microsoft.com/office/drawing/2017/decorative" val="1"/>
@@ -8811,10 +10389,10 @@
       </p:sp>
       <p:pic>
         <p:nvPicPr>
-          <p:cNvPr id="84" name="Picture 71">
+          <p:cNvPr id="103" name="Picture 102">
             <a:extLst>
               <a:ext uri="{FF2B5EF4-FFF2-40B4-BE49-F238E27FC236}">
-                <a16:creationId xmlns:a16="http://schemas.microsoft.com/office/drawing/2014/main" id="{4FED5ABE-AA8E-4BAE-B923-EB99ABDE02AA}"/>
+                <a16:creationId xmlns:a16="http://schemas.microsoft.com/office/drawing/2014/main" id="{C1A37955-21EA-4810-9AED-24CF25E26010}"/>
               </a:ext>
               <a:ext uri="{C183D7F6-B498-43B3-948B-1728B52AA6E4}">
                 <adec:decorative xmlns:adec="http://schemas.microsoft.com/office/drawing/2017/decorative" val="1"/>
@@ -8847,7 +10425,7 @@
         </p:blipFill>
         <p:spPr>
           <a:xfrm>
-            <a:off x="0" y="-8207"/>
+            <a:off x="10586" y="0"/>
             <a:ext cx="12192000" cy="6858000"/>
           </a:xfrm>
           <a:prstGeom prst="rect">
@@ -8855,21 +10433,21 @@
           </a:prstGeom>
         </p:spPr>
       </p:pic>
-      <p:pic>
-        <p:nvPicPr>
-          <p:cNvPr id="85" name="Picture 73">
+      <p:sp>
+        <p:nvSpPr>
+          <p:cNvPr id="105" name="Rectangle 104">
             <a:extLst>
               <a:ext uri="{FF2B5EF4-FFF2-40B4-BE49-F238E27FC236}">
-                <a16:creationId xmlns:a16="http://schemas.microsoft.com/office/drawing/2014/main" id="{E0811D79-2C71-4B37-82AD-761836DCBD17}"/>
+                <a16:creationId xmlns:a16="http://schemas.microsoft.com/office/drawing/2014/main" id="{8B79A499-6023-4495-8687-96680A5E9597}"/>
               </a:ext>
               <a:ext uri="{C183D7F6-B498-43B3-948B-1728B52AA6E4}">
                 <adec:decorative xmlns:adec="http://schemas.microsoft.com/office/drawing/2017/decorative" val="1"/>
               </a:ext>
             </a:extLst>
           </p:cNvPr>
-          <p:cNvPicPr>
-            <a:picLocks noGrp="1" noRot="1" noChangeAspect="1" noMove="1" noResize="1" noEditPoints="1" noAdjustHandles="1" noChangeArrowheads="1" noChangeShapeType="1" noCrop="1"/>
-          </p:cNvPicPr>
+          <p:cNvSpPr>
+            <a:spLocks noGrp="1" noRot="1" noChangeAspect="1" noMove="1" noResize="1" noEditPoints="1" noAdjustHandles="1" noChangeArrowheads="1" noChangeShapeType="1" noTextEdit="1"/>
+          </p:cNvSpPr>
           <p:nvPr>
             <p:extLst>
               <p:ext uri="{386F3935-93C4-4BCD-93E2-E3B085C9AB24}">
@@ -8877,64 +10455,20 @@
               </p:ext>
             </p:extLst>
           </p:nvPr>
-        </p:nvPicPr>
-        <p:blipFill>
-          <a:blip r:embed="rId3">
-            <a:extLst>
-              <a:ext uri="{28A0092B-C50C-407E-A947-70E740481C1C}">
-                <a14:useLocalDpi xmlns:a14="http://schemas.microsoft.com/office/drawing/2010/main" val="0"/>
-              </a:ext>
-            </a:extLst>
-          </a:blip>
-          <a:stretch>
-            <a:fillRect/>
-          </a:stretch>
-        </p:blipFill>
-        <p:spPr>
-          <a:xfrm>
-            <a:off x="1" y="4688333"/>
-            <a:ext cx="6400800" cy="185701"/>
-          </a:xfrm>
-          <a:prstGeom prst="rect">
-            <a:avLst/>
-          </a:prstGeom>
-        </p:spPr>
-      </p:pic>
-      <p:sp>
-        <p:nvSpPr>
-          <p:cNvPr id="86" name="Rectangle 75">
-            <a:extLst>
-              <a:ext uri="{FF2B5EF4-FFF2-40B4-BE49-F238E27FC236}">
-                <a16:creationId xmlns:a16="http://schemas.microsoft.com/office/drawing/2014/main" id="{929B6C0D-2AB5-4965-B573-1D00F1D0B76C}"/>
-              </a:ext>
-              <a:ext uri="{C183D7F6-B498-43B3-948B-1728B52AA6E4}">
-                <adec:decorative xmlns:adec="http://schemas.microsoft.com/office/drawing/2017/decorative" val="1"/>
-              </a:ext>
-            </a:extLst>
-          </p:cNvPr>
-          <p:cNvSpPr>
-            <a:spLocks noGrp="1" noRot="1" noChangeAspect="1" noMove="1" noResize="1" noEditPoints="1" noAdjustHandles="1" noChangeArrowheads="1" noChangeShapeType="1" noTextEdit="1"/>
-          </p:cNvSpPr>
-          <p:nvPr>
-            <p:extLst>
-              <p:ext uri="{386F3935-93C4-4BCD-93E2-E3B085C9AB24}">
-                <p16:designElem xmlns:p16="http://schemas.microsoft.com/office/powerpoint/2015/main" val="1"/>
-              </p:ext>
-            </p:extLst>
-          </p:nvPr>
-        </p:nvSpPr>
-        <p:spPr>
-          <a:xfrm>
-            <a:off x="-1" y="2162908"/>
-            <a:ext cx="6411743" cy="2532185"/>
+        </p:nvSpPr>
+        <p:spPr bwMode="grayWhite">
+          <a:xfrm>
+            <a:off x="0" y="4557357"/>
+            <a:ext cx="8978671" cy="1660332"/>
           </a:xfrm>
           <a:prstGeom prst="rect">
             <a:avLst/>
           </a:prstGeom>
           <a:solidFill>
             <a:schemeClr val="bg1">
-              <a:lumMod val="85000"/>
-              <a:lumOff val="15000"/>
+              <a:lumMod val="95000"/>
+              <a:lumOff val="5000"/>
+              <a:alpha val="90000"/>
             </a:schemeClr>
           </a:solidFill>
           <a:ln>
@@ -8983,30 +10517,215 @@
         </p:nvSpPr>
         <p:spPr>
           <a:xfrm>
-            <a:off x="680322" y="2403231"/>
-            <a:ext cx="5192940" cy="2133600"/>
-          </a:xfrm>
-        </p:spPr>
-        <p:txBody>
-          <a:bodyPr vert="horz" lIns="91440" tIns="45720" rIns="91440" bIns="45720" rtlCol="0" anchor="ctr">
+            <a:off x="690908" y="4710483"/>
+            <a:ext cx="8133478" cy="940240"/>
+          </a:xfrm>
+        </p:spPr>
+        <p:txBody>
+          <a:bodyPr vert="horz" lIns="91440" tIns="45720" rIns="91440" bIns="45720" rtlCol="0" anchor="b">
             <a:normAutofit/>
           </a:bodyPr>
           <a:lstStyle/>
           <a:p>
             <a:pPr algn="r"/>
             <a:r>
-              <a:rPr lang="en-US" sz="5400"/>
-              <a:t>Sumary </a:t>
-            </a:r>
-            <a:r>
-              <a:rPr lang="en-US" sz="5400" dirty="0"/>
-              <a:t>of </a:t>
-            </a:r>
-            <a:r>
-              <a:rPr lang="en-US" sz="5400"/>
-              <a:t>Rule Behaviour</a:t>
-            </a:r>
-            <a:endParaRPr lang="en-US" sz="5400" dirty="0"/>
+              <a:rPr lang="en-US" sz="4800"/>
+              <a:t>Summary of Rule Behaviour</a:t>
+            </a:r>
+          </a:p>
+        </p:txBody>
+      </p:sp>
+      <p:sp>
+        <p:nvSpPr>
+          <p:cNvPr id="107" name="Rectangle 106">
+            <a:extLst>
+              <a:ext uri="{FF2B5EF4-FFF2-40B4-BE49-F238E27FC236}">
+                <a16:creationId xmlns:a16="http://schemas.microsoft.com/office/drawing/2014/main" id="{BAA1CC66-52B7-4B1A-83B9-4473DABF8A84}"/>
+              </a:ext>
+              <a:ext uri="{C183D7F6-B498-43B3-948B-1728B52AA6E4}">
+                <adec:decorative xmlns:adec="http://schemas.microsoft.com/office/drawing/2017/decorative" val="1"/>
+              </a:ext>
+            </a:extLst>
+          </p:cNvPr>
+          <p:cNvSpPr>
+            <a:spLocks noGrp="1" noRot="1" noChangeAspect="1" noMove="1" noResize="1" noEditPoints="1" noAdjustHandles="1" noChangeArrowheads="1" noChangeShapeType="1" noTextEdit="1"/>
+          </p:cNvSpPr>
+          <p:nvPr>
+            <p:extLst>
+              <p:ext uri="{386F3935-93C4-4BCD-93E2-E3B085C9AB24}">
+                <p16:designElem xmlns:p16="http://schemas.microsoft.com/office/powerpoint/2015/main" val="1"/>
+              </p:ext>
+            </p:extLst>
+          </p:nvPr>
+        </p:nvSpPr>
+        <p:spPr>
+          <a:xfrm>
+            <a:off x="9122301" y="4557357"/>
+            <a:ext cx="3077109" cy="1660332"/>
+          </a:xfrm>
+          <a:prstGeom prst="rect">
+            <a:avLst/>
+          </a:prstGeom>
+          <a:solidFill>
+            <a:schemeClr val="accent1"/>
+          </a:solidFill>
+          <a:ln>
+            <a:noFill/>
+          </a:ln>
+        </p:spPr>
+        <p:style>
+          <a:lnRef idx="2">
+            <a:schemeClr val="accent1">
+              <a:shade val="50000"/>
+            </a:schemeClr>
+          </a:lnRef>
+          <a:fillRef idx="1">
+            <a:schemeClr val="accent1"/>
+          </a:fillRef>
+          <a:effectRef idx="0">
+            <a:schemeClr val="accent1"/>
+          </a:effectRef>
+          <a:fontRef idx="minor">
+            <a:schemeClr val="lt1"/>
+          </a:fontRef>
+        </p:style>
+        <p:txBody>
+          <a:bodyPr/>
+          <a:lstStyle/>
+          <a:p>
+            <a:endParaRPr lang="es-EC"/>
+          </a:p>
+        </p:txBody>
+      </p:sp>
+      <p:sp>
+        <p:nvSpPr>
+          <p:cNvPr id="109" name="Rectangle 108">
+            <a:extLst>
+              <a:ext uri="{FF2B5EF4-FFF2-40B4-BE49-F238E27FC236}">
+                <a16:creationId xmlns:a16="http://schemas.microsoft.com/office/drawing/2014/main" id="{427A1B02-0BC3-4123-A27E-111F26354A77}"/>
+              </a:ext>
+              <a:ext uri="{C183D7F6-B498-43B3-948B-1728B52AA6E4}">
+                <adec:decorative xmlns:adec="http://schemas.microsoft.com/office/drawing/2017/decorative" val="1"/>
+              </a:ext>
+            </a:extLst>
+          </p:cNvPr>
+          <p:cNvSpPr>
+            <a:spLocks noGrp="1" noRot="1" noChangeAspect="1" noMove="1" noResize="1" noEditPoints="1" noAdjustHandles="1" noChangeArrowheads="1" noChangeShapeType="1" noTextEdit="1"/>
+          </p:cNvSpPr>
+          <p:nvPr>
+            <p:extLst>
+              <p:ext uri="{386F3935-93C4-4BCD-93E2-E3B085C9AB24}">
+                <p16:designElem xmlns:p16="http://schemas.microsoft.com/office/powerpoint/2015/main" val="1"/>
+              </p:ext>
+            </p:extLst>
+          </p:nvPr>
+        </p:nvSpPr>
+        <p:spPr>
+          <a:xfrm>
+            <a:off x="10586" y="6210130"/>
+            <a:ext cx="8968085" cy="275942"/>
+          </a:xfrm>
+          <a:prstGeom prst="rect">
+            <a:avLst/>
+          </a:prstGeom>
+          <a:blipFill>
+            <a:blip r:embed="rId5"/>
+            <a:stretch>
+              <a:fillRect/>
+            </a:stretch>
+          </a:blipFill>
+          <a:ln>
+            <a:noFill/>
+          </a:ln>
+        </p:spPr>
+        <p:style>
+          <a:lnRef idx="2">
+            <a:schemeClr val="accent1">
+              <a:shade val="50000"/>
+            </a:schemeClr>
+          </a:lnRef>
+          <a:fillRef idx="1">
+            <a:schemeClr val="accent1"/>
+          </a:fillRef>
+          <a:effectRef idx="0">
+            <a:schemeClr val="accent1"/>
+          </a:effectRef>
+          <a:fontRef idx="minor">
+            <a:schemeClr val="lt1"/>
+          </a:fontRef>
+        </p:style>
+        <p:txBody>
+          <a:bodyPr rtlCol="0" anchor="ctr"/>
+          <a:lstStyle/>
+          <a:p>
+            <a:pPr algn="ctr"/>
+            <a:endParaRPr lang="en-US"/>
+          </a:p>
+        </p:txBody>
+      </p:sp>
+      <p:sp>
+        <p:nvSpPr>
+          <p:cNvPr id="111" name="Rectangle 110">
+            <a:extLst>
+              <a:ext uri="{FF2B5EF4-FFF2-40B4-BE49-F238E27FC236}">
+                <a16:creationId xmlns:a16="http://schemas.microsoft.com/office/drawing/2014/main" id="{846EBDA5-97CE-4375-BC99-C7365D1CC66B}"/>
+              </a:ext>
+              <a:ext uri="{C183D7F6-B498-43B3-948B-1728B52AA6E4}">
+                <adec:decorative xmlns:adec="http://schemas.microsoft.com/office/drawing/2017/decorative" val="1"/>
+              </a:ext>
+            </a:extLst>
+          </p:cNvPr>
+          <p:cNvSpPr>
+            <a:spLocks noGrp="1" noRot="1" noChangeAspect="1" noMove="1" noResize="1" noEditPoints="1" noAdjustHandles="1" noChangeArrowheads="1" noChangeShapeType="1" noTextEdit="1"/>
+          </p:cNvSpPr>
+          <p:nvPr>
+            <p:extLst>
+              <p:ext uri="{386F3935-93C4-4BCD-93E2-E3B085C9AB24}">
+                <p16:designElem xmlns:p16="http://schemas.microsoft.com/office/powerpoint/2015/main" val="1"/>
+              </p:ext>
+            </p:extLst>
+          </p:nvPr>
+        </p:nvSpPr>
+        <p:spPr>
+          <a:xfrm>
+            <a:off x="9122301" y="6210130"/>
+            <a:ext cx="3080285" cy="275942"/>
+          </a:xfrm>
+          <a:prstGeom prst="rect">
+            <a:avLst/>
+          </a:prstGeom>
+          <a:blipFill>
+            <a:blip r:embed="rId6"/>
+            <a:stretch>
+              <a:fillRect/>
+            </a:stretch>
+          </a:blipFill>
+          <a:ln>
+            <a:noFill/>
+          </a:ln>
+        </p:spPr>
+        <p:style>
+          <a:lnRef idx="2">
+            <a:schemeClr val="accent1">
+              <a:shade val="50000"/>
+            </a:schemeClr>
+          </a:lnRef>
+          <a:fillRef idx="1">
+            <a:schemeClr val="accent1"/>
+          </a:fillRef>
+          <a:effectRef idx="0">
+            <a:schemeClr val="accent1"/>
+          </a:effectRef>
+          <a:fontRef idx="minor">
+            <a:schemeClr val="lt1"/>
+          </a:fontRef>
+        </p:style>
+        <p:txBody>
+          <a:bodyPr rtlCol="0" anchor="ctr"/>
+          <a:lstStyle/>
+          <a:p>
+            <a:pPr algn="ctr"/>
+            <a:endParaRPr lang="en-US"/>
           </a:p>
         </p:txBody>
       </p:sp>
@@ -9025,44 +10744,44 @@
           <p:nvPr>
             <p:extLst>
               <p:ext uri="{D42A27DB-BD31-4B8C-83A1-F6EECF244321}">
-                <p14:modId xmlns:p14="http://schemas.microsoft.com/office/powerpoint/2010/main" val="426427433"/>
+                <p14:modId xmlns:p14="http://schemas.microsoft.com/office/powerpoint/2010/main" val="4157161789"/>
               </p:ext>
             </p:extLst>
           </p:nvPr>
         </p:nvGraphicFramePr>
         <p:xfrm>
-          <a:off x="6641960" y="1063361"/>
-          <a:ext cx="5026099" cy="4731280"/>
+          <a:off x="1376623" y="725088"/>
+          <a:ext cx="10175299" cy="3439127"/>
         </p:xfrm>
         <a:graphic>
           <a:graphicData uri="http://schemas.openxmlformats.org/drawingml/2006/table">
             <a:tbl>
-              <a:tblPr>
+              <a:tblPr firstRow="1" bandRow="1">
                 <a:tableStyleId>{69CF1AB2-1976-4502-BF36-3FF5EA218861}</a:tableStyleId>
               </a:tblPr>
               <a:tblGrid>
-                <a:gridCol w="1924068">
+                <a:gridCol w="3767296">
                   <a:extLst>
                     <a:ext uri="{9D8B030D-6E8A-4147-A177-3AD203B41FA5}">
                       <a16:colId xmlns:a16="http://schemas.microsoft.com/office/drawing/2014/main" val="1315610728"/>
                     </a:ext>
                   </a:extLst>
                 </a:gridCol>
-                <a:gridCol w="1143152">
+                <a:gridCol w="2309052">
                   <a:extLst>
                     <a:ext uri="{9D8B030D-6E8A-4147-A177-3AD203B41FA5}">
                       <a16:colId xmlns:a16="http://schemas.microsoft.com/office/drawing/2014/main" val="4222495270"/>
                     </a:ext>
                   </a:extLst>
                 </a:gridCol>
-                <a:gridCol w="1022337">
+                <a:gridCol w="2175711">
                   <a:extLst>
                     <a:ext uri="{9D8B030D-6E8A-4147-A177-3AD203B41FA5}">
                       <a16:colId xmlns:a16="http://schemas.microsoft.com/office/drawing/2014/main" val="1374600917"/>
                     </a:ext>
                   </a:extLst>
                 </a:gridCol>
-                <a:gridCol w="936542">
+                <a:gridCol w="1923240">
                   <a:extLst>
                     <a:ext uri="{9D8B030D-6E8A-4147-A177-3AD203B41FA5}">
                       <a16:colId xmlns:a16="http://schemas.microsoft.com/office/drawing/2014/main" val="4171893919"/>
@@ -9070,7 +10789,7 @@
                   </a:extLst>
                 </a:gridCol>
               </a:tblGrid>
-              <a:tr h="788446">
+              <a:tr h="446683">
                 <a:tc>
                   <a:txBody>
                     <a:bodyPr/>
@@ -9080,19 +10799,19 @@
                         <a:buNone/>
                       </a:pPr>
                       <a:r>
-                        <a:rPr lang="es-EC" sz="1600" b="1" u="none" strike="noStrike" dirty="0" err="1">
+                        <a:rPr lang="es-EC" sz="2000" b="1" u="none" strike="noStrike" err="1">
                           <a:effectLst/>
                           <a:latin typeface="Aptos Display" panose="020B0004020202020204" pitchFamily="34" charset="0"/>
                         </a:rPr>
                         <a:t>Path</a:t>
                       </a:r>
-                      <a:endParaRPr lang="es-EC" sz="1600" b="1" i="0" u="none" strike="noStrike" dirty="0">
+                      <a:endParaRPr lang="es-EC" sz="2000" b="1" i="0" u="none" strike="noStrike">
                         <a:effectLst/>
                         <a:latin typeface="Aptos Display" panose="020B0004020202020204" pitchFamily="34" charset="0"/>
                       </a:endParaRPr>
                     </a:p>
                   </a:txBody>
-                  <a:tcPr marL="74291" marR="74291" marT="37145" marB="37145" anchor="ctr"/>
+                  <a:tcPr marL="93555" marR="93555" marT="46777" marB="46777" anchor="ctr"/>
                 </a:tc>
                 <a:tc>
                   <a:txBody>
@@ -9103,19 +10822,19 @@
                         <a:buNone/>
                       </a:pPr>
                       <a:r>
-                        <a:rPr lang="es-EC" sz="1600" b="1" u="none" strike="noStrike" dirty="0" err="1">
+                        <a:rPr lang="es-EC" sz="2000" b="1" u="none" strike="noStrike" err="1">
                           <a:effectLst/>
                           <a:latin typeface="Aptos Display" panose="020B0004020202020204" pitchFamily="34" charset="0"/>
                         </a:rPr>
                         <a:t>Viewer</a:t>
                       </a:r>
-                      <a:endParaRPr lang="es-EC" sz="1600" b="1" i="0" u="none" strike="noStrike" dirty="0">
+                      <a:endParaRPr lang="es-EC" sz="2000" b="1" i="0" u="none" strike="noStrike">
                         <a:effectLst/>
                         <a:latin typeface="Aptos Display" panose="020B0004020202020204" pitchFamily="34" charset="0"/>
                       </a:endParaRPr>
                     </a:p>
                   </a:txBody>
-                  <a:tcPr marL="74291" marR="74291" marT="37145" marB="37145" anchor="ctr"/>
+                  <a:tcPr marL="93555" marR="93555" marT="46777" marB="46777" anchor="ctr"/>
                 </a:tc>
                 <a:tc>
                   <a:txBody>
@@ -9126,19 +10845,19 @@
                         <a:buNone/>
                       </a:pPr>
                       <a:r>
-                        <a:rPr lang="es-EC" sz="1600" b="1" u="none" strike="noStrike" dirty="0" err="1">
+                        <a:rPr lang="es-EC" sz="2000" b="1" u="none" strike="noStrike" err="1">
                           <a:effectLst/>
                           <a:latin typeface="Aptos Display" panose="020B0004020202020204" pitchFamily="34" charset="0"/>
                         </a:rPr>
                         <a:t>Student</a:t>
                       </a:r>
-                      <a:endParaRPr lang="es-EC" sz="1600" b="1" i="0" u="none" strike="noStrike" dirty="0">
+                      <a:endParaRPr lang="es-EC" sz="2000" b="1" i="0" u="none" strike="noStrike">
                         <a:effectLst/>
                         <a:latin typeface="Aptos Display" panose="020B0004020202020204" pitchFamily="34" charset="0"/>
                       </a:endParaRPr>
                     </a:p>
                   </a:txBody>
-                  <a:tcPr marL="74291" marR="74291" marT="37145" marB="37145" anchor="ctr"/>
+                  <a:tcPr marL="93555" marR="93555" marT="46777" marB="46777" anchor="ctr"/>
                 </a:tc>
                 <a:tc>
                   <a:txBody>
@@ -9149,19 +10868,19 @@
                         <a:buNone/>
                       </a:pPr>
                       <a:r>
-                        <a:rPr lang="es-EC" sz="1600" b="1" u="none" strike="noStrike" dirty="0" err="1">
+                        <a:rPr lang="es-EC" sz="2000" b="1" u="none" strike="noStrike" err="1">
                           <a:effectLst/>
                           <a:latin typeface="Aptos Display" panose="020B0004020202020204" pitchFamily="34" charset="0"/>
                         </a:rPr>
                         <a:t>Admin</a:t>
                       </a:r>
-                      <a:endParaRPr lang="es-EC" sz="1600" b="1" i="0" u="none" strike="noStrike" dirty="0">
+                      <a:endParaRPr lang="es-EC" sz="2000" b="1" i="0" u="none" strike="noStrike">
                         <a:effectLst/>
                         <a:latin typeface="Aptos Display" panose="020B0004020202020204" pitchFamily="34" charset="0"/>
                       </a:endParaRPr>
                     </a:p>
                   </a:txBody>
-                  <a:tcPr marL="74291" marR="74291" marT="37145" marB="37145" anchor="ctr"/>
+                  <a:tcPr marL="93555" marR="93555" marT="46777" marB="46777" anchor="ctr"/>
                 </a:tc>
                 <a:extLst>
                   <a:ext uri="{0D108BD9-81ED-4DB2-BD59-A6C34878D82A}">
@@ -9169,7 +10888,7 @@
                   </a:ext>
                 </a:extLst>
               </a:tr>
-              <a:tr h="788446">
+              <a:tr h="427492">
                 <a:tc>
                   <a:txBody>
                     <a:bodyPr/>
@@ -9179,19 +10898,19 @@
                         <a:buNone/>
                       </a:pPr>
                       <a:r>
-                        <a:rPr lang="es-EC" sz="1500" b="0" u="none" strike="noStrike">
+                        <a:rPr lang="es-EC" sz="1900" b="0" u="none" strike="noStrike">
                           <a:effectLst/>
                           <a:latin typeface="Aptos Display" panose="020B0004020202020204" pitchFamily="34" charset="0"/>
                         </a:rPr>
                         <a:t>onlineUsers</a:t>
                       </a:r>
-                      <a:endParaRPr lang="es-EC" sz="1500" b="0" i="0" u="none" strike="noStrike">
+                      <a:endParaRPr lang="es-EC" sz="1900" b="0" i="0" u="none" strike="noStrike">
                         <a:effectLst/>
                         <a:latin typeface="Aptos Display" panose="020B0004020202020204" pitchFamily="34" charset="0"/>
                       </a:endParaRPr>
                     </a:p>
                   </a:txBody>
-                  <a:tcPr marL="74291" marR="74291" marT="37145" marB="37145" anchor="ctr"/>
+                  <a:tcPr marL="93555" marR="93555" marT="46777" marB="46777" anchor="ctr"/>
                 </a:tc>
                 <a:tc>
                   <a:txBody>
@@ -9202,26 +10921,26 @@
                         <a:buNone/>
                       </a:pPr>
                       <a:r>
-                        <a:rPr lang="es-EC" sz="1500" b="0" u="none" strike="noStrike" dirty="0">
+                        <a:rPr lang="es-EC" sz="1900" b="0" u="none" strike="noStrike">
                           <a:effectLst/>
                           <a:latin typeface="Aptos Display" panose="020B0004020202020204" pitchFamily="34" charset="0"/>
                         </a:rPr>
                         <a:t>✅ </a:t>
                       </a:r>
                       <a:r>
-                        <a:rPr lang="es-EC" sz="1500" b="0" u="none" strike="noStrike" dirty="0" err="1">
+                        <a:rPr lang="es-EC" sz="1900" b="0" u="none" strike="noStrike" err="1">
                           <a:effectLst/>
                           <a:latin typeface="Aptos Display" panose="020B0004020202020204" pitchFamily="34" charset="0"/>
                         </a:rPr>
                         <a:t>read</a:t>
                       </a:r>
-                      <a:endParaRPr lang="es-EC" sz="1500" b="0" i="0" u="none" strike="noStrike" dirty="0">
+                      <a:endParaRPr lang="es-EC" sz="1900" b="0" i="0" u="none" strike="noStrike">
                         <a:effectLst/>
                         <a:latin typeface="Aptos Display" panose="020B0004020202020204" pitchFamily="34" charset="0"/>
                       </a:endParaRPr>
                     </a:p>
                   </a:txBody>
-                  <a:tcPr marL="74291" marR="74291" marT="37145" marB="37145" anchor="ctr"/>
+                  <a:tcPr marL="93555" marR="93555" marT="46777" marB="46777" anchor="ctr"/>
                 </a:tc>
                 <a:tc>
                   <a:txBody>
@@ -9232,33 +10951,33 @@
                         <a:buNone/>
                       </a:pPr>
                       <a:r>
-                        <a:rPr lang="es-EC" sz="1500" b="0" u="none" strike="noStrike" dirty="0">
+                        <a:rPr lang="es-EC" sz="1900" b="0" u="none" strike="noStrike">
                           <a:effectLst/>
                           <a:latin typeface="Aptos Display" panose="020B0004020202020204" pitchFamily="34" charset="0"/>
                         </a:rPr>
                         <a:t>✅ RW (</a:t>
                       </a:r>
                       <a:r>
-                        <a:rPr lang="es-EC" sz="1500" b="0" u="none" strike="noStrike" dirty="0" err="1">
+                        <a:rPr lang="es-EC" sz="1900" b="0" u="none" strike="noStrike" err="1">
                           <a:effectLst/>
                           <a:latin typeface="Aptos Display" panose="020B0004020202020204" pitchFamily="34" charset="0"/>
                         </a:rPr>
                         <a:t>own</a:t>
                       </a:r>
                       <a:r>
-                        <a:rPr lang="es-EC" sz="1500" b="0" u="none" strike="noStrike" dirty="0">
+                        <a:rPr lang="es-EC" sz="1900" b="0" u="none" strike="noStrike">
                           <a:effectLst/>
                           <a:latin typeface="Aptos Display" panose="020B0004020202020204" pitchFamily="34" charset="0"/>
                         </a:rPr>
                         <a:t> data)</a:t>
                       </a:r>
-                      <a:endParaRPr lang="es-EC" sz="1500" b="0" i="0" u="none" strike="noStrike" dirty="0">
+                      <a:endParaRPr lang="es-EC" sz="1900" b="0" i="0" u="none" strike="noStrike">
                         <a:effectLst/>
                         <a:latin typeface="Aptos Display" panose="020B0004020202020204" pitchFamily="34" charset="0"/>
                       </a:endParaRPr>
                     </a:p>
                   </a:txBody>
-                  <a:tcPr marL="74291" marR="74291" marT="37145" marB="37145" anchor="ctr"/>
+                  <a:tcPr marL="93555" marR="93555" marT="46777" marB="46777" anchor="ctr"/>
                 </a:tc>
                 <a:tc>
                   <a:txBody>
@@ -9269,19 +10988,19 @@
                         <a:buNone/>
                       </a:pPr>
                       <a:r>
-                        <a:rPr lang="es-EC" sz="1500" b="0" u="none" strike="noStrike" dirty="0">
+                        <a:rPr lang="es-EC" sz="1900" b="0" u="none" strike="noStrike">
                           <a:effectLst/>
                           <a:latin typeface="Aptos Display" panose="020B0004020202020204" pitchFamily="34" charset="0"/>
                         </a:rPr>
                         <a:t>✅ RW</a:t>
                       </a:r>
-                      <a:endParaRPr lang="es-EC" sz="1500" b="0" i="0" u="none" strike="noStrike" dirty="0">
+                      <a:endParaRPr lang="es-EC" sz="1900" b="0" i="0" u="none" strike="noStrike">
                         <a:effectLst/>
                         <a:latin typeface="Aptos Display" panose="020B0004020202020204" pitchFamily="34" charset="0"/>
                       </a:endParaRPr>
                     </a:p>
                   </a:txBody>
-                  <a:tcPr marL="74291" marR="74291" marT="37145" marB="37145" anchor="ctr"/>
+                  <a:tcPr marL="93555" marR="93555" marT="46777" marB="46777" anchor="ctr"/>
                 </a:tc>
                 <a:extLst>
                   <a:ext uri="{0D108BD9-81ED-4DB2-BD59-A6C34878D82A}">
@@ -9289,7 +11008,7 @@
                   </a:ext>
                 </a:extLst>
               </a:tr>
-              <a:tr h="563262">
+              <a:tr h="427492">
                 <a:tc>
                   <a:txBody>
                     <a:bodyPr/>
@@ -9299,19 +11018,19 @@
                         <a:buNone/>
                       </a:pPr>
                       <a:r>
-                        <a:rPr lang="es-EC" sz="1500" b="0" u="none" strike="noStrike">
+                        <a:rPr lang="es-EC" sz="1900" b="0" u="none" strike="noStrike" dirty="0" err="1">
                           <a:effectLst/>
                           <a:latin typeface="Aptos Display" panose="020B0004020202020204" pitchFamily="34" charset="0"/>
                         </a:rPr>
                         <a:t>reviewLogs</a:t>
                       </a:r>
-                      <a:endParaRPr lang="es-EC" sz="1500" b="0" i="0" u="none" strike="noStrike">
+                      <a:endParaRPr lang="es-EC" sz="1900" b="0" i="0" u="none" strike="noStrike" dirty="0">
                         <a:effectLst/>
                         <a:latin typeface="Aptos Display" panose="020B0004020202020204" pitchFamily="34" charset="0"/>
                       </a:endParaRPr>
                     </a:p>
                   </a:txBody>
-                  <a:tcPr marL="74291" marR="74291" marT="37145" marB="37145" anchor="ctr"/>
+                  <a:tcPr marL="93555" marR="93555" marT="46777" marB="46777" anchor="ctr"/>
                 </a:tc>
                 <a:tc>
                   <a:txBody>
@@ -9322,19 +11041,19 @@
                         <a:buNone/>
                       </a:pPr>
                       <a:r>
-                        <a:rPr lang="es-EC" sz="1500" b="0" u="none" strike="noStrike" dirty="0">
+                        <a:rPr lang="es-EC" sz="1900" b="0" u="none" strike="noStrike">
                           <a:effectLst/>
                           <a:latin typeface="Aptos Display" panose="020B0004020202020204" pitchFamily="34" charset="0"/>
                         </a:rPr>
                         <a:t>❌</a:t>
                       </a:r>
-                      <a:endParaRPr lang="es-EC" sz="1500" b="0" i="0" u="none" strike="noStrike" dirty="0">
+                      <a:endParaRPr lang="es-EC" sz="1900" b="0" i="0" u="none" strike="noStrike">
                         <a:effectLst/>
                         <a:latin typeface="Aptos Display" panose="020B0004020202020204" pitchFamily="34" charset="0"/>
                       </a:endParaRPr>
                     </a:p>
                   </a:txBody>
-                  <a:tcPr marL="74291" marR="74291" marT="37145" marB="37145" anchor="ctr"/>
+                  <a:tcPr marL="93555" marR="93555" marT="46777" marB="46777" anchor="ctr"/>
                 </a:tc>
                 <a:tc>
                   <a:txBody>
@@ -9345,19 +11064,19 @@
                         <a:buNone/>
                       </a:pPr>
                       <a:r>
-                        <a:rPr lang="es-EC" sz="1500" b="0" u="none" strike="noStrike">
+                        <a:rPr lang="es-EC" sz="1900" b="0" u="none" strike="noStrike">
                           <a:effectLst/>
                           <a:latin typeface="Aptos Display" panose="020B0004020202020204" pitchFamily="34" charset="0"/>
                         </a:rPr>
                         <a:t>✅ write</a:t>
                       </a:r>
-                      <a:endParaRPr lang="es-EC" sz="1500" b="0" i="0" u="none" strike="noStrike">
+                      <a:endParaRPr lang="es-EC" sz="1900" b="0" i="0" u="none" strike="noStrike">
                         <a:effectLst/>
                         <a:latin typeface="Aptos Display" panose="020B0004020202020204" pitchFamily="34" charset="0"/>
                       </a:endParaRPr>
                     </a:p>
                   </a:txBody>
-                  <a:tcPr marL="74291" marR="74291" marT="37145" marB="37145" anchor="ctr"/>
+                  <a:tcPr marL="93555" marR="93555" marT="46777" marB="46777" anchor="ctr"/>
                 </a:tc>
                 <a:tc>
                   <a:txBody>
@@ -9368,26 +11087,26 @@
                         <a:buNone/>
                       </a:pPr>
                       <a:r>
-                        <a:rPr lang="es-EC" sz="1500" b="0" u="none" strike="noStrike" dirty="0">
+                        <a:rPr lang="es-EC" sz="1900" b="0" u="none" strike="noStrike">
                           <a:effectLst/>
                           <a:latin typeface="Aptos Display" panose="020B0004020202020204" pitchFamily="34" charset="0"/>
                         </a:rPr>
                         <a:t>✅ full </a:t>
                       </a:r>
                       <a:r>
-                        <a:rPr lang="es-EC" sz="1500" b="0" u="none" strike="noStrike" dirty="0" err="1">
+                        <a:rPr lang="es-EC" sz="1900" b="0" u="none" strike="noStrike" err="1">
                           <a:effectLst/>
                           <a:latin typeface="Aptos Display" panose="020B0004020202020204" pitchFamily="34" charset="0"/>
                         </a:rPr>
                         <a:t>access</a:t>
                       </a:r>
-                      <a:endParaRPr lang="es-EC" sz="1500" b="0" i="0" u="none" strike="noStrike" dirty="0">
+                      <a:endParaRPr lang="es-EC" sz="1900" b="0" i="0" u="none" strike="noStrike">
                         <a:effectLst/>
                         <a:latin typeface="Aptos Display" panose="020B0004020202020204" pitchFamily="34" charset="0"/>
                       </a:endParaRPr>
                     </a:p>
                   </a:txBody>
-                  <a:tcPr marL="74291" marR="74291" marT="37145" marB="37145" anchor="ctr"/>
+                  <a:tcPr marL="93555" marR="93555" marT="46777" marB="46777" anchor="ctr"/>
                 </a:tc>
                 <a:extLst>
                   <a:ext uri="{0D108BD9-81ED-4DB2-BD59-A6C34878D82A}">
@@ -9395,7 +11114,7 @@
                   </a:ext>
                 </a:extLst>
               </a:tr>
-              <a:tr h="563262">
+              <a:tr h="427492">
                 <a:tc>
                   <a:txBody>
                     <a:bodyPr/>
@@ -9405,19 +11124,19 @@
                         <a:buNone/>
                       </a:pPr>
                       <a:r>
-                        <a:rPr lang="es-EC" sz="1500" b="0" u="none" strike="noStrike" dirty="0" err="1">
+                        <a:rPr lang="es-EC" sz="1900" b="0" u="none" strike="noStrike" err="1">
                           <a:effectLst/>
                           <a:latin typeface="Aptos Display" panose="020B0004020202020204" pitchFamily="34" charset="0"/>
                         </a:rPr>
                         <a:t>sessions</a:t>
                       </a:r>
-                      <a:endParaRPr lang="es-EC" sz="1500" b="0" i="0" u="none" strike="noStrike" dirty="0">
+                      <a:endParaRPr lang="es-EC" sz="1900" b="0" i="0" u="none" strike="noStrike">
                         <a:effectLst/>
                         <a:latin typeface="Aptos Display" panose="020B0004020202020204" pitchFamily="34" charset="0"/>
                       </a:endParaRPr>
                     </a:p>
                   </a:txBody>
-                  <a:tcPr marL="74291" marR="74291" marT="37145" marB="37145" anchor="ctr"/>
+                  <a:tcPr marL="93555" marR="93555" marT="46777" marB="46777" anchor="ctr"/>
                 </a:tc>
                 <a:tc>
                   <a:txBody>
@@ -9428,19 +11147,19 @@
                         <a:buNone/>
                       </a:pPr>
                       <a:r>
-                        <a:rPr lang="es-EC" sz="1500" b="0" u="none" strike="noStrike" dirty="0">
+                        <a:rPr lang="es-EC" sz="1900" b="0" u="none" strike="noStrike">
                           <a:effectLst/>
                           <a:latin typeface="Aptos Display" panose="020B0004020202020204" pitchFamily="34" charset="0"/>
                         </a:rPr>
                         <a:t>❌</a:t>
                       </a:r>
-                      <a:endParaRPr lang="es-EC" sz="1500" b="0" i="0" u="none" strike="noStrike" dirty="0">
+                      <a:endParaRPr lang="es-EC" sz="1900" b="0" i="0" u="none" strike="noStrike">
                         <a:effectLst/>
                         <a:latin typeface="Aptos Display" panose="020B0004020202020204" pitchFamily="34" charset="0"/>
                       </a:endParaRPr>
                     </a:p>
                   </a:txBody>
-                  <a:tcPr marL="74291" marR="74291" marT="37145" marB="37145" anchor="ctr"/>
+                  <a:tcPr marL="93555" marR="93555" marT="46777" marB="46777" anchor="ctr"/>
                 </a:tc>
                 <a:tc>
                   <a:txBody>
@@ -9451,19 +11170,19 @@
                         <a:buNone/>
                       </a:pPr>
                       <a:r>
-                        <a:rPr lang="es-EC" sz="1500" b="0" u="none" strike="noStrike">
+                        <a:rPr lang="es-EC" sz="1900" b="0" u="none" strike="noStrike">
                           <a:effectLst/>
                           <a:latin typeface="Aptos Display" panose="020B0004020202020204" pitchFamily="34" charset="0"/>
                         </a:rPr>
                         <a:t>✅ read</a:t>
                       </a:r>
-                      <a:endParaRPr lang="es-EC" sz="1500" b="0" i="0" u="none" strike="noStrike">
+                      <a:endParaRPr lang="es-EC" sz="1900" b="0" i="0" u="none" strike="noStrike">
                         <a:effectLst/>
                         <a:latin typeface="Aptos Display" panose="020B0004020202020204" pitchFamily="34" charset="0"/>
                       </a:endParaRPr>
                     </a:p>
                   </a:txBody>
-                  <a:tcPr marL="74291" marR="74291" marT="37145" marB="37145" anchor="ctr"/>
+                  <a:tcPr marL="93555" marR="93555" marT="46777" marB="46777" anchor="ctr"/>
                 </a:tc>
                 <a:tc>
                   <a:txBody>
@@ -9474,26 +11193,26 @@
                         <a:buNone/>
                       </a:pPr>
                       <a:r>
-                        <a:rPr lang="es-EC" sz="1500" b="0" u="none" strike="noStrike" dirty="0">
+                        <a:rPr lang="es-EC" sz="1900" b="0" u="none" strike="noStrike">
                           <a:effectLst/>
                           <a:latin typeface="Aptos Display" panose="020B0004020202020204" pitchFamily="34" charset="0"/>
                         </a:rPr>
                         <a:t>✅ full </a:t>
                       </a:r>
                       <a:r>
-                        <a:rPr lang="es-EC" sz="1500" b="0" u="none" strike="noStrike" dirty="0" err="1">
+                        <a:rPr lang="es-EC" sz="1900" b="0" u="none" strike="noStrike" err="1">
                           <a:effectLst/>
                           <a:latin typeface="Aptos Display" panose="020B0004020202020204" pitchFamily="34" charset="0"/>
                         </a:rPr>
                         <a:t>access</a:t>
                       </a:r>
-                      <a:endParaRPr lang="es-EC" sz="1500" b="0" i="0" u="none" strike="noStrike" dirty="0">
+                      <a:endParaRPr lang="es-EC" sz="1900" b="0" i="0" u="none" strike="noStrike">
                         <a:effectLst/>
                         <a:latin typeface="Aptos Display" panose="020B0004020202020204" pitchFamily="34" charset="0"/>
                       </a:endParaRPr>
                     </a:p>
                   </a:txBody>
-                  <a:tcPr marL="74291" marR="74291" marT="37145" marB="37145" anchor="ctr"/>
+                  <a:tcPr marL="93555" marR="93555" marT="46777" marB="46777" anchor="ctr"/>
                 </a:tc>
                 <a:extLst>
                   <a:ext uri="{0D108BD9-81ED-4DB2-BD59-A6C34878D82A}">
@@ -9501,7 +11220,7 @@
                   </a:ext>
                 </a:extLst>
               </a:tr>
-              <a:tr h="563262">
+              <a:tr h="427492">
                 <a:tc>
                   <a:txBody>
                     <a:bodyPr/>
@@ -9511,19 +11230,19 @@
                         <a:buNone/>
                       </a:pPr>
                       <a:r>
-                        <a:rPr lang="es-EC" sz="1500" b="0" u="none" strike="noStrike">
+                        <a:rPr lang="es-EC" sz="1900" b="0" u="none" strike="noStrike">
                           <a:effectLst/>
                           <a:latin typeface="Aptos Display" panose="020B0004020202020204" pitchFamily="34" charset="0"/>
                         </a:rPr>
                         <a:t>meta/orderCounter</a:t>
                       </a:r>
-                      <a:endParaRPr lang="es-EC" sz="1500" b="0" i="0" u="none" strike="noStrike">
+                      <a:endParaRPr lang="es-EC" sz="1900" b="0" i="0" u="none" strike="noStrike">
                         <a:effectLst/>
                         <a:latin typeface="Aptos Display" panose="020B0004020202020204" pitchFamily="34" charset="0"/>
                       </a:endParaRPr>
                     </a:p>
                   </a:txBody>
-                  <a:tcPr marL="74291" marR="74291" marT="37145" marB="37145" anchor="ctr"/>
+                  <a:tcPr marL="93555" marR="93555" marT="46777" marB="46777" anchor="ctr"/>
                 </a:tc>
                 <a:tc>
                   <a:txBody>
@@ -9534,19 +11253,19 @@
                         <a:buNone/>
                       </a:pPr>
                       <a:r>
-                        <a:rPr lang="es-EC" sz="1500" b="0" u="none" strike="noStrike">
+                        <a:rPr lang="es-EC" sz="1900" b="0" u="none" strike="noStrike">
                           <a:effectLst/>
                           <a:latin typeface="Aptos Display" panose="020B0004020202020204" pitchFamily="34" charset="0"/>
                         </a:rPr>
                         <a:t>❌</a:t>
                       </a:r>
-                      <a:endParaRPr lang="es-EC" sz="1500" b="0" i="0" u="none" strike="noStrike">
+                      <a:endParaRPr lang="es-EC" sz="1900" b="0" i="0" u="none" strike="noStrike">
                         <a:effectLst/>
                         <a:latin typeface="Aptos Display" panose="020B0004020202020204" pitchFamily="34" charset="0"/>
                       </a:endParaRPr>
                     </a:p>
                   </a:txBody>
-                  <a:tcPr marL="74291" marR="74291" marT="37145" marB="37145" anchor="ctr"/>
+                  <a:tcPr marL="93555" marR="93555" marT="46777" marB="46777" anchor="ctr"/>
                 </a:tc>
                 <a:tc>
                   <a:txBody>
@@ -9557,19 +11276,19 @@
                         <a:buNone/>
                       </a:pPr>
                       <a:r>
-                        <a:rPr lang="es-EC" sz="1500" b="0" u="none" strike="noStrike">
+                        <a:rPr lang="es-EC" sz="1900" b="0" u="none" strike="noStrike">
                           <a:effectLst/>
                           <a:latin typeface="Aptos Display" panose="020B0004020202020204" pitchFamily="34" charset="0"/>
                         </a:rPr>
                         <a:t>❌</a:t>
                       </a:r>
-                      <a:endParaRPr lang="es-EC" sz="1500" b="0" i="0" u="none" strike="noStrike">
+                      <a:endParaRPr lang="es-EC" sz="1900" b="0" i="0" u="none" strike="noStrike">
                         <a:effectLst/>
                         <a:latin typeface="Aptos Display" panose="020B0004020202020204" pitchFamily="34" charset="0"/>
                       </a:endParaRPr>
                     </a:p>
                   </a:txBody>
-                  <a:tcPr marL="74291" marR="74291" marT="37145" marB="37145" anchor="ctr"/>
+                  <a:tcPr marL="93555" marR="93555" marT="46777" marB="46777" anchor="ctr"/>
                 </a:tc>
                 <a:tc>
                   <a:txBody>
@@ -9580,26 +11299,26 @@
                         <a:buNone/>
                       </a:pPr>
                       <a:r>
-                        <a:rPr lang="es-EC" sz="1500" b="0" u="none" strike="noStrike" dirty="0">
+                        <a:rPr lang="es-EC" sz="1900" b="0" u="none" strike="noStrike">
                           <a:effectLst/>
                           <a:latin typeface="Aptos Display" panose="020B0004020202020204" pitchFamily="34" charset="0"/>
                         </a:rPr>
                         <a:t>✅ full </a:t>
                       </a:r>
                       <a:r>
-                        <a:rPr lang="es-EC" sz="1500" b="0" u="none" strike="noStrike" dirty="0" err="1">
+                        <a:rPr lang="es-EC" sz="1900" b="0" u="none" strike="noStrike" err="1">
                           <a:effectLst/>
                           <a:latin typeface="Aptos Display" panose="020B0004020202020204" pitchFamily="34" charset="0"/>
                         </a:rPr>
                         <a:t>access</a:t>
                       </a:r>
-                      <a:endParaRPr lang="es-EC" sz="1500" b="0" i="0" u="none" strike="noStrike" dirty="0">
+                      <a:endParaRPr lang="es-EC" sz="1900" b="0" i="0" u="none" strike="noStrike">
                         <a:effectLst/>
                         <a:latin typeface="Aptos Display" panose="020B0004020202020204" pitchFamily="34" charset="0"/>
                       </a:endParaRPr>
                     </a:p>
                   </a:txBody>
-                  <a:tcPr marL="74291" marR="74291" marT="37145" marB="37145" anchor="ctr"/>
+                  <a:tcPr marL="93555" marR="93555" marT="46777" marB="46777" anchor="ctr"/>
                 </a:tc>
                 <a:extLst>
                   <a:ext uri="{0D108BD9-81ED-4DB2-BD59-A6C34878D82A}">
@@ -9607,7 +11326,7 @@
                   </a:ext>
                 </a:extLst>
               </a:tr>
-              <a:tr h="338078">
+              <a:tr h="427492">
                 <a:tc>
                   <a:txBody>
                     <a:bodyPr/>
@@ -9617,19 +11336,19 @@
                         <a:buNone/>
                       </a:pPr>
                       <a:r>
-                        <a:rPr lang="es-EC" sz="1500" b="0" u="none" strike="noStrike">
+                        <a:rPr lang="es-EC" sz="1900" b="0" u="none" strike="noStrike">
                           <a:effectLst/>
                           <a:latin typeface="Aptos Display" panose="020B0004020202020204" pitchFamily="34" charset="0"/>
                         </a:rPr>
                         <a:t>questionReports</a:t>
                       </a:r>
-                      <a:endParaRPr lang="es-EC" sz="1500" b="0" i="0" u="none" strike="noStrike">
+                      <a:endParaRPr lang="es-EC" sz="1900" b="0" i="0" u="none" strike="noStrike">
                         <a:effectLst/>
                         <a:latin typeface="Aptos Display" panose="020B0004020202020204" pitchFamily="34" charset="0"/>
                       </a:endParaRPr>
                     </a:p>
                   </a:txBody>
-                  <a:tcPr marL="74291" marR="74291" marT="37145" marB="37145" anchor="ctr"/>
+                  <a:tcPr marL="93555" marR="93555" marT="46777" marB="46777" anchor="ctr"/>
                 </a:tc>
                 <a:tc>
                   <a:txBody>
@@ -9640,19 +11359,19 @@
                         <a:buNone/>
                       </a:pPr>
                       <a:r>
-                        <a:rPr lang="es-EC" sz="1500" b="0" u="none" strike="noStrike">
+                        <a:rPr lang="es-EC" sz="1900" b="0" u="none" strike="noStrike">
                           <a:effectLst/>
                           <a:latin typeface="Aptos Display" panose="020B0004020202020204" pitchFamily="34" charset="0"/>
                         </a:rPr>
                         <a:t>❌</a:t>
                       </a:r>
-                      <a:endParaRPr lang="es-EC" sz="1500" b="0" i="0" u="none" strike="noStrike">
+                      <a:endParaRPr lang="es-EC" sz="1900" b="0" i="0" u="none" strike="noStrike">
                         <a:effectLst/>
                         <a:latin typeface="Aptos Display" panose="020B0004020202020204" pitchFamily="34" charset="0"/>
                       </a:endParaRPr>
                     </a:p>
                   </a:txBody>
-                  <a:tcPr marL="74291" marR="74291" marT="37145" marB="37145" anchor="ctr"/>
+                  <a:tcPr marL="93555" marR="93555" marT="46777" marB="46777" anchor="ctr"/>
                 </a:tc>
                 <a:tc>
                   <a:txBody>
@@ -9663,19 +11382,19 @@
                         <a:buNone/>
                       </a:pPr>
                       <a:r>
-                        <a:rPr lang="es-EC" sz="1500" b="0" u="none" strike="noStrike">
+                        <a:rPr lang="es-EC" sz="1900" b="0" u="none" strike="noStrike">
                           <a:effectLst/>
                           <a:latin typeface="Aptos Display" panose="020B0004020202020204" pitchFamily="34" charset="0"/>
                         </a:rPr>
                         <a:t>✅ write</a:t>
                       </a:r>
-                      <a:endParaRPr lang="es-EC" sz="1500" b="0" i="0" u="none" strike="noStrike">
+                      <a:endParaRPr lang="es-EC" sz="1900" b="0" i="0" u="none" strike="noStrike">
                         <a:effectLst/>
                         <a:latin typeface="Aptos Display" panose="020B0004020202020204" pitchFamily="34" charset="0"/>
                       </a:endParaRPr>
                     </a:p>
                   </a:txBody>
-                  <a:tcPr marL="74291" marR="74291" marT="37145" marB="37145" anchor="ctr"/>
+                  <a:tcPr marL="93555" marR="93555" marT="46777" marB="46777" anchor="ctr"/>
                 </a:tc>
                 <a:tc>
                   <a:txBody>
@@ -9686,26 +11405,26 @@
                         <a:buNone/>
                       </a:pPr>
                       <a:r>
-                        <a:rPr lang="es-EC" sz="1500" b="0" u="none" strike="noStrike" dirty="0">
+                        <a:rPr lang="es-EC" sz="1900" b="0" u="none" strike="noStrike">
                           <a:effectLst/>
                           <a:latin typeface="Aptos Display" panose="020B0004020202020204" pitchFamily="34" charset="0"/>
                         </a:rPr>
                         <a:t>✅ </a:t>
                       </a:r>
                       <a:r>
-                        <a:rPr lang="es-EC" sz="1500" b="0" u="none" strike="noStrike" dirty="0" err="1">
+                        <a:rPr lang="es-EC" sz="1900" b="0" u="none" strike="noStrike" err="1">
                           <a:effectLst/>
                           <a:latin typeface="Aptos Display" panose="020B0004020202020204" pitchFamily="34" charset="0"/>
                         </a:rPr>
                         <a:t>read</a:t>
                       </a:r>
-                      <a:endParaRPr lang="es-EC" sz="1500" b="0" i="0" u="none" strike="noStrike" dirty="0">
+                      <a:endParaRPr lang="es-EC" sz="1900" b="0" i="0" u="none" strike="noStrike">
                         <a:effectLst/>
                         <a:latin typeface="Aptos Display" panose="020B0004020202020204" pitchFamily="34" charset="0"/>
                       </a:endParaRPr>
                     </a:p>
                   </a:txBody>
-                  <a:tcPr marL="74291" marR="74291" marT="37145" marB="37145" anchor="ctr"/>
+                  <a:tcPr marL="93555" marR="93555" marT="46777" marB="46777" anchor="ctr"/>
                 </a:tc>
                 <a:extLst>
                   <a:ext uri="{0D108BD9-81ED-4DB2-BD59-A6C34878D82A}">
@@ -9713,7 +11432,7 @@
                   </a:ext>
                 </a:extLst>
               </a:tr>
-              <a:tr h="563262">
+              <a:tr h="427492">
                 <a:tc>
                   <a:txBody>
                     <a:bodyPr/>
@@ -9723,19 +11442,19 @@
                         <a:buNone/>
                       </a:pPr>
                       <a:r>
-                        <a:rPr lang="es-EC" sz="1500" b="0" u="none" strike="noStrike">
+                        <a:rPr lang="es-EC" sz="1900" b="0" u="none" strike="noStrike">
                           <a:effectLst/>
                           <a:latin typeface="Aptos Display" panose="020B0004020202020204" pitchFamily="34" charset="0"/>
                         </a:rPr>
                         <a:t>userLogs</a:t>
                       </a:r>
-                      <a:endParaRPr lang="es-EC" sz="1500" b="0" i="0" u="none" strike="noStrike">
+                      <a:endParaRPr lang="es-EC" sz="1900" b="0" i="0" u="none" strike="noStrike">
                         <a:effectLst/>
                         <a:latin typeface="Aptos Display" panose="020B0004020202020204" pitchFamily="34" charset="0"/>
                       </a:endParaRPr>
                     </a:p>
                   </a:txBody>
-                  <a:tcPr marL="74291" marR="74291" marT="37145" marB="37145" anchor="ctr"/>
+                  <a:tcPr marL="93555" marR="93555" marT="46777" marB="46777" anchor="ctr"/>
                 </a:tc>
                 <a:tc>
                   <a:txBody>
@@ -9746,19 +11465,19 @@
                         <a:buNone/>
                       </a:pPr>
                       <a:r>
-                        <a:rPr lang="es-EC" sz="1500" b="0" u="none" strike="noStrike">
+                        <a:rPr lang="es-EC" sz="1900" b="0" u="none" strike="noStrike">
                           <a:effectLst/>
                           <a:latin typeface="Aptos Display" panose="020B0004020202020204" pitchFamily="34" charset="0"/>
                         </a:rPr>
                         <a:t>❌</a:t>
                       </a:r>
-                      <a:endParaRPr lang="es-EC" sz="1500" b="0" i="0" u="none" strike="noStrike">
+                      <a:endParaRPr lang="es-EC" sz="1900" b="0" i="0" u="none" strike="noStrike">
                         <a:effectLst/>
                         <a:latin typeface="Aptos Display" panose="020B0004020202020204" pitchFamily="34" charset="0"/>
                       </a:endParaRPr>
                     </a:p>
                   </a:txBody>
-                  <a:tcPr marL="74291" marR="74291" marT="37145" marB="37145" anchor="ctr"/>
+                  <a:tcPr marL="93555" marR="93555" marT="46777" marB="46777" anchor="ctr"/>
                 </a:tc>
                 <a:tc>
                   <a:txBody>
@@ -9769,19 +11488,19 @@
                         <a:buNone/>
                       </a:pPr>
                       <a:r>
-                        <a:rPr lang="es-EC" sz="1500" b="0" u="none" strike="noStrike">
+                        <a:rPr lang="es-EC" sz="1900" b="0" u="none" strike="noStrike">
                           <a:effectLst/>
                           <a:latin typeface="Aptos Display" panose="020B0004020202020204" pitchFamily="34" charset="0"/>
                         </a:rPr>
                         <a:t>❌</a:t>
                       </a:r>
-                      <a:endParaRPr lang="es-EC" sz="1500" b="0" i="0" u="none" strike="noStrike">
+                      <a:endParaRPr lang="es-EC" sz="1900" b="0" i="0" u="none" strike="noStrike">
                         <a:effectLst/>
                         <a:latin typeface="Aptos Display" panose="020B0004020202020204" pitchFamily="34" charset="0"/>
                       </a:endParaRPr>
                     </a:p>
                   </a:txBody>
-                  <a:tcPr marL="74291" marR="74291" marT="37145" marB="37145" anchor="ctr"/>
+                  <a:tcPr marL="93555" marR="93555" marT="46777" marB="46777" anchor="ctr"/>
                 </a:tc>
                 <a:tc>
                   <a:txBody>
@@ -9792,26 +11511,26 @@
                         <a:buNone/>
                       </a:pPr>
                       <a:r>
-                        <a:rPr lang="es-EC" sz="1500" b="0" u="none" strike="noStrike" dirty="0">
+                        <a:rPr lang="es-EC" sz="1900" b="0" u="none" strike="noStrike">
                           <a:effectLst/>
                           <a:latin typeface="Aptos Display" panose="020B0004020202020204" pitchFamily="34" charset="0"/>
                         </a:rPr>
                         <a:t>✅ full </a:t>
                       </a:r>
                       <a:r>
-                        <a:rPr lang="es-EC" sz="1500" b="0" u="none" strike="noStrike" dirty="0" err="1">
+                        <a:rPr lang="es-EC" sz="1900" b="0" u="none" strike="noStrike" err="1">
                           <a:effectLst/>
                           <a:latin typeface="Aptos Display" panose="020B0004020202020204" pitchFamily="34" charset="0"/>
                         </a:rPr>
                         <a:t>access</a:t>
                       </a:r>
-                      <a:endParaRPr lang="es-EC" sz="1500" b="0" i="0" u="none" strike="noStrike" dirty="0">
+                      <a:endParaRPr lang="es-EC" sz="1900" b="0" i="0" u="none" strike="noStrike">
                         <a:effectLst/>
                         <a:latin typeface="Aptos Display" panose="020B0004020202020204" pitchFamily="34" charset="0"/>
                       </a:endParaRPr>
                     </a:p>
                   </a:txBody>
-                  <a:tcPr marL="74291" marR="74291" marT="37145" marB="37145" anchor="ctr"/>
+                  <a:tcPr marL="93555" marR="93555" marT="46777" marB="46777" anchor="ctr"/>
                 </a:tc>
                 <a:extLst>
                   <a:ext uri="{0D108BD9-81ED-4DB2-BD59-A6C34878D82A}">
@@ -9819,7 +11538,7 @@
                   </a:ext>
                 </a:extLst>
               </a:tr>
-              <a:tr h="563262">
+              <a:tr h="427492">
                 <a:tc>
                   <a:txBody>
                     <a:bodyPr/>
@@ -9829,19 +11548,19 @@
                         <a:buNone/>
                       </a:pPr>
                       <a:r>
-                        <a:rPr lang="es-EC" sz="1500" b="0" u="none" strike="noStrike">
+                        <a:rPr lang="es-EC" sz="1900" b="0" u="none" strike="noStrike">
                           <a:effectLst/>
                           <a:latin typeface="Aptos Display" panose="020B0004020202020204" pitchFamily="34" charset="0"/>
                         </a:rPr>
                         <a:t>loginLogs</a:t>
                       </a:r>
-                      <a:endParaRPr lang="es-EC" sz="1500" b="0" i="0" u="none" strike="noStrike">
+                      <a:endParaRPr lang="es-EC" sz="1900" b="0" i="0" u="none" strike="noStrike">
                         <a:effectLst/>
                         <a:latin typeface="Aptos Display" panose="020B0004020202020204" pitchFamily="34" charset="0"/>
                       </a:endParaRPr>
                     </a:p>
                   </a:txBody>
-                  <a:tcPr marL="74291" marR="74291" marT="37145" marB="37145" anchor="ctr"/>
+                  <a:tcPr marL="93555" marR="93555" marT="46777" marB="46777" anchor="ctr"/>
                 </a:tc>
                 <a:tc>
                   <a:txBody>
@@ -9852,19 +11571,19 @@
                         <a:buNone/>
                       </a:pPr>
                       <a:r>
-                        <a:rPr lang="es-EC" sz="1500" b="0" u="none" strike="noStrike">
+                        <a:rPr lang="es-EC" sz="1900" b="0" u="none" strike="noStrike">
                           <a:effectLst/>
                           <a:latin typeface="Aptos Display" panose="020B0004020202020204" pitchFamily="34" charset="0"/>
                         </a:rPr>
                         <a:t>❌</a:t>
                       </a:r>
-                      <a:endParaRPr lang="es-EC" sz="1500" b="0" i="0" u="none" strike="noStrike">
+                      <a:endParaRPr lang="es-EC" sz="1900" b="0" i="0" u="none" strike="noStrike">
                         <a:effectLst/>
                         <a:latin typeface="Aptos Display" panose="020B0004020202020204" pitchFamily="34" charset="0"/>
                       </a:endParaRPr>
                     </a:p>
                   </a:txBody>
-                  <a:tcPr marL="74291" marR="74291" marT="37145" marB="37145" anchor="ctr"/>
+                  <a:tcPr marL="93555" marR="93555" marT="46777" marB="46777" anchor="ctr"/>
                 </a:tc>
                 <a:tc>
                   <a:txBody>
@@ -9875,19 +11594,19 @@
                         <a:buNone/>
                       </a:pPr>
                       <a:r>
-                        <a:rPr lang="es-EC" sz="1500" b="0" u="none" strike="noStrike">
+                        <a:rPr lang="es-EC" sz="1900" b="0" u="none" strike="noStrike">
                           <a:effectLst/>
                           <a:latin typeface="Aptos Display" panose="020B0004020202020204" pitchFamily="34" charset="0"/>
                         </a:rPr>
                         <a:t>❌</a:t>
                       </a:r>
-                      <a:endParaRPr lang="es-EC" sz="1500" b="0" i="0" u="none" strike="noStrike">
+                      <a:endParaRPr lang="es-EC" sz="1900" b="0" i="0" u="none" strike="noStrike">
                         <a:effectLst/>
                         <a:latin typeface="Aptos Display" panose="020B0004020202020204" pitchFamily="34" charset="0"/>
                       </a:endParaRPr>
                     </a:p>
                   </a:txBody>
-                  <a:tcPr marL="74291" marR="74291" marT="37145" marB="37145" anchor="ctr"/>
+                  <a:tcPr marL="93555" marR="93555" marT="46777" marB="46777" anchor="ctr"/>
                 </a:tc>
                 <a:tc>
                   <a:txBody>
@@ -9898,26 +11617,26 @@
                         <a:buNone/>
                       </a:pPr>
                       <a:r>
-                        <a:rPr lang="es-EC" sz="1500" b="0" u="none" strike="noStrike" dirty="0">
+                        <a:rPr lang="es-EC" sz="1900" b="0" u="none" strike="noStrike" dirty="0">
                           <a:effectLst/>
                           <a:latin typeface="Aptos Display" panose="020B0004020202020204" pitchFamily="34" charset="0"/>
                         </a:rPr>
                         <a:t>✅ full </a:t>
                       </a:r>
                       <a:r>
-                        <a:rPr lang="es-EC" sz="1500" b="0" u="none" strike="noStrike" dirty="0" err="1">
+                        <a:rPr lang="es-EC" sz="1900" b="0" u="none" strike="noStrike" dirty="0" err="1">
                           <a:effectLst/>
                           <a:latin typeface="Aptos Display" panose="020B0004020202020204" pitchFamily="34" charset="0"/>
                         </a:rPr>
                         <a:t>access</a:t>
                       </a:r>
-                      <a:endParaRPr lang="es-EC" sz="1500" b="0" i="0" u="none" strike="noStrike" dirty="0">
+                      <a:endParaRPr lang="es-EC" sz="1900" b="0" i="0" u="none" strike="noStrike" dirty="0">
                         <a:effectLst/>
                         <a:latin typeface="Aptos Display" panose="020B0004020202020204" pitchFamily="34" charset="0"/>
                       </a:endParaRPr>
                     </a:p>
                   </a:txBody>
-                  <a:tcPr marL="74291" marR="74291" marT="37145" marB="37145" anchor="ctr"/>
+                  <a:tcPr marL="93555" marR="93555" marT="46777" marB="46777" anchor="ctr"/>
                 </a:tc>
                 <a:extLst>
                   <a:ext uri="{0D108BD9-81ED-4DB2-BD59-A6C34878D82A}">
@@ -11201,7 +12920,7 @@
         <p:spPr bwMode="auto">
           <a:xfrm>
             <a:off x="1088306" y="4572297"/>
-            <a:ext cx="5645328" cy="1200329"/>
+            <a:ext cx="5763116" cy="1200329"/>
           </a:xfrm>
           <a:prstGeom prst="rect">
             <a:avLst/>
@@ -11307,7 +13026,7 @@
                 <a:effectLst/>
                 <a:latin typeface="+mj-lt"/>
               </a:rPr>
-              <a:t> Viewers and admins can read sessions</a:t>
+              <a:t> Students and admins can read sessions</a:t>
             </a:r>
           </a:p>
           <a:p>
@@ -11909,7 +13628,7 @@
         </p:blipFill>
         <p:spPr>
           <a:xfrm>
-            <a:off x="1181902" y="2662272"/>
+            <a:off x="1141708" y="2601984"/>
             <a:ext cx="8145012" cy="4096322"/>
           </a:xfrm>
           <a:prstGeom prst="rect">

--- a/FirebaseDatabaseSecurity_DannesEspinoza.pptx
+++ b/FirebaseDatabaseSecurity_DannesEspinoza.pptx
@@ -15,12 +15,13 @@
     <p:sldId id="263" r:id="rId9"/>
     <p:sldId id="265" r:id="rId10"/>
     <p:sldId id="266" r:id="rId11"/>
-    <p:sldId id="268" r:id="rId12"/>
-    <p:sldId id="267" r:id="rId13"/>
-    <p:sldId id="269" r:id="rId14"/>
-    <p:sldId id="270" r:id="rId15"/>
-    <p:sldId id="271" r:id="rId16"/>
-    <p:sldId id="272" r:id="rId17"/>
+    <p:sldId id="273" r:id="rId12"/>
+    <p:sldId id="268" r:id="rId13"/>
+    <p:sldId id="267" r:id="rId14"/>
+    <p:sldId id="269" r:id="rId15"/>
+    <p:sldId id="270" r:id="rId16"/>
+    <p:sldId id="271" r:id="rId17"/>
+    <p:sldId id="272" r:id="rId18"/>
   </p:sldIdLst>
   <p:sldSz cx="12192000" cy="6858000"/>
   <p:notesSz cx="6858000" cy="9144000"/>
@@ -8973,7 +8974,7 @@
           <p:cNvPr id="2" name="Título 1">
             <a:extLst>
               <a:ext uri="{FF2B5EF4-FFF2-40B4-BE49-F238E27FC236}">
-                <a16:creationId xmlns:a16="http://schemas.microsoft.com/office/drawing/2014/main" id="{048D43A6-5082-C0F5-30C7-D09130ADC055}"/>
+                <a16:creationId xmlns:a16="http://schemas.microsoft.com/office/drawing/2014/main" id="{B7B5FAED-0686-0F25-6EB8-C01A9103BECC}"/>
               </a:ext>
             </a:extLst>
           </p:cNvPr>
@@ -8990,51 +8991,18 @@
           <a:lstStyle/>
           <a:p>
             <a:r>
-              <a:rPr lang="es-EC" dirty="0" err="1"/>
-              <a:t>Viewer</a:t>
-            </a:r>
-            <a:r>
               <a:rPr lang="es-EC" dirty="0"/>
-              <a:t> </a:t>
-            </a:r>
-            <a:r>
-              <a:rPr lang="es-EC" dirty="0" err="1"/>
-              <a:t>trying</a:t>
-            </a:r>
-            <a:r>
-              <a:rPr lang="es-EC" dirty="0"/>
-              <a:t> </a:t>
-            </a:r>
-            <a:r>
-              <a:rPr lang="es-EC" dirty="0" err="1"/>
-              <a:t>to</a:t>
-            </a:r>
-            <a:r>
-              <a:rPr lang="es-EC" dirty="0"/>
-              <a:t> </a:t>
-            </a:r>
-            <a:r>
-              <a:rPr lang="es-EC" dirty="0" err="1"/>
-              <a:t>read</a:t>
-            </a:r>
-            <a:r>
-              <a:rPr lang="es-EC" dirty="0"/>
-              <a:t> </a:t>
-            </a:r>
-            <a:r>
-              <a:rPr lang="es-EC" dirty="0" err="1"/>
-              <a:t>userLogs</a:t>
-            </a:r>
-            <a:endParaRPr lang="es-EC" dirty="0"/>
+              <a:t>fireBaseApp.js</a:t>
+            </a:r>
           </a:p>
         </p:txBody>
       </p:sp>
       <p:pic>
         <p:nvPicPr>
-          <p:cNvPr id="7" name="Imagen 6">
+          <p:cNvPr id="5" name="Imagen 4">
             <a:extLst>
               <a:ext uri="{FF2B5EF4-FFF2-40B4-BE49-F238E27FC236}">
-                <a16:creationId xmlns:a16="http://schemas.microsoft.com/office/drawing/2014/main" id="{70C925C9-1EFA-3F9C-4B22-AAD88B217C22}"/>
+                <a16:creationId xmlns:a16="http://schemas.microsoft.com/office/drawing/2014/main" id="{54763611-B0D2-2B49-B27F-22F4525842EB}"/>
               </a:ext>
             </a:extLst>
           </p:cNvPr>
@@ -9045,15 +9013,14 @@
         </p:nvPicPr>
         <p:blipFill>
           <a:blip r:embed="rId2"/>
-          <a:srcRect b="12716"/>
           <a:stretch>
             <a:fillRect/>
           </a:stretch>
         </p:blipFill>
         <p:spPr>
           <a:xfrm>
-            <a:off x="1949949" y="2447181"/>
-            <a:ext cx="7544853" cy="3550498"/>
+            <a:off x="2016862" y="2098840"/>
+            <a:ext cx="7382905" cy="4629796"/>
           </a:xfrm>
           <a:prstGeom prst="rect">
             <a:avLst/>
@@ -9063,7 +9030,7 @@
     </p:spTree>
     <p:extLst>
       <p:ext uri="{BB962C8B-B14F-4D97-AF65-F5344CB8AC3E}">
-        <p14:creationId xmlns:p14="http://schemas.microsoft.com/office/powerpoint/2010/main" val="827456565"/>
+        <p14:creationId xmlns:p14="http://schemas.microsoft.com/office/powerpoint/2010/main" val="3859960084"/>
       </p:ext>
     </p:extLst>
   </p:cSld>
@@ -9095,7 +9062,7 @@
           <p:cNvPr id="2" name="Título 1">
             <a:extLst>
               <a:ext uri="{FF2B5EF4-FFF2-40B4-BE49-F238E27FC236}">
-                <a16:creationId xmlns:a16="http://schemas.microsoft.com/office/drawing/2014/main" id="{4F7B0037-F09D-4F50-58C1-D9D0995D75C0}"/>
+                <a16:creationId xmlns:a16="http://schemas.microsoft.com/office/drawing/2014/main" id="{048D43A6-5082-C0F5-30C7-D09130ADC055}"/>
               </a:ext>
             </a:extLst>
           </p:cNvPr>
@@ -9112,18 +9079,51 @@
           <a:lstStyle/>
           <a:p>
             <a:r>
+              <a:rPr lang="es-EC" dirty="0" err="1"/>
+              <a:t>Viewer</a:t>
+            </a:r>
+            <a:r>
               <a:rPr lang="es-EC" dirty="0"/>
-              <a:t>RESULT</a:t>
-            </a:r>
+              <a:t> </a:t>
+            </a:r>
+            <a:r>
+              <a:rPr lang="es-EC" dirty="0" err="1"/>
+              <a:t>trying</a:t>
+            </a:r>
+            <a:r>
+              <a:rPr lang="es-EC" dirty="0"/>
+              <a:t> </a:t>
+            </a:r>
+            <a:r>
+              <a:rPr lang="es-EC" dirty="0" err="1"/>
+              <a:t>to</a:t>
+            </a:r>
+            <a:r>
+              <a:rPr lang="es-EC" dirty="0"/>
+              <a:t> </a:t>
+            </a:r>
+            <a:r>
+              <a:rPr lang="es-EC" dirty="0" err="1"/>
+              <a:t>read</a:t>
+            </a:r>
+            <a:r>
+              <a:rPr lang="es-EC" dirty="0"/>
+              <a:t> </a:t>
+            </a:r>
+            <a:r>
+              <a:rPr lang="es-EC" dirty="0" err="1"/>
+              <a:t>userLogs</a:t>
+            </a:r>
+            <a:endParaRPr lang="es-EC" dirty="0"/>
           </a:p>
         </p:txBody>
       </p:sp>
       <p:pic>
         <p:nvPicPr>
-          <p:cNvPr id="5" name="Imagen 4">
+          <p:cNvPr id="7" name="Imagen 6">
             <a:extLst>
               <a:ext uri="{FF2B5EF4-FFF2-40B4-BE49-F238E27FC236}">
-                <a16:creationId xmlns:a16="http://schemas.microsoft.com/office/drawing/2014/main" id="{02695AF8-14B6-F6C6-576C-BD1805896315}"/>
+                <a16:creationId xmlns:a16="http://schemas.microsoft.com/office/drawing/2014/main" id="{70C925C9-1EFA-3F9C-4B22-AAD88B217C22}"/>
               </a:ext>
             </a:extLst>
           </p:cNvPr>
@@ -9134,92 +9134,25 @@
         </p:nvPicPr>
         <p:blipFill>
           <a:blip r:embed="rId2"/>
+          <a:srcRect b="12716"/>
           <a:stretch>
             <a:fillRect/>
           </a:stretch>
         </p:blipFill>
         <p:spPr>
           <a:xfrm>
-            <a:off x="974540" y="2669146"/>
-            <a:ext cx="10242920" cy="2981741"/>
+            <a:off x="1949949" y="2447181"/>
+            <a:ext cx="7544853" cy="3550498"/>
           </a:xfrm>
           <a:prstGeom prst="rect">
             <a:avLst/>
           </a:prstGeom>
         </p:spPr>
       </p:pic>
-      <p:sp>
-        <p:nvSpPr>
-          <p:cNvPr id="6" name="Flecha: hacia la izquierda 5">
-            <a:extLst>
-              <a:ext uri="{FF2B5EF4-FFF2-40B4-BE49-F238E27FC236}">
-                <a16:creationId xmlns:a16="http://schemas.microsoft.com/office/drawing/2014/main" id="{EEAFE568-47AF-B657-6BE9-CCB01D07A37A}"/>
-              </a:ext>
-            </a:extLst>
-          </p:cNvPr>
-          <p:cNvSpPr/>
-          <p:nvPr/>
-        </p:nvSpPr>
-        <p:spPr>
-          <a:xfrm>
-            <a:off x="5904973" y="3989191"/>
-            <a:ext cx="2351314" cy="231113"/>
-          </a:xfrm>
-          <a:prstGeom prst="leftArrow">
-            <a:avLst/>
-          </a:prstGeom>
-          <a:solidFill>
-            <a:srgbClr val="FF0000"/>
-          </a:solidFill>
-          <a:ln>
-            <a:solidFill>
-              <a:schemeClr val="tx1">
-                <a:lumMod val="95000"/>
-              </a:schemeClr>
-            </a:solidFill>
-          </a:ln>
-          <a:effectLst>
-            <a:glow rad="139700">
-              <a:schemeClr val="accent2">
-                <a:satMod val="175000"/>
-                <a:alpha val="40000"/>
-              </a:schemeClr>
-            </a:glow>
-          </a:effectLst>
-        </p:spPr>
-        <p:style>
-          <a:lnRef idx="2">
-            <a:schemeClr val="accent1">
-              <a:shade val="15000"/>
-            </a:schemeClr>
-          </a:lnRef>
-          <a:fillRef idx="1">
-            <a:schemeClr val="accent1"/>
-          </a:fillRef>
-          <a:effectRef idx="0">
-            <a:schemeClr val="accent1"/>
-          </a:effectRef>
-          <a:fontRef idx="minor">
-            <a:schemeClr val="lt1"/>
-          </a:fontRef>
-        </p:style>
-        <p:txBody>
-          <a:bodyPr rtlCol="0" anchor="ctr"/>
-          <a:lstStyle/>
-          <a:p>
-            <a:pPr algn="ctr"/>
-            <a:endParaRPr lang="es-EC">
-              <a:solidFill>
-                <a:srgbClr val="FF0000"/>
-              </a:solidFill>
-            </a:endParaRPr>
-          </a:p>
-        </p:txBody>
-      </p:sp>
     </p:spTree>
     <p:extLst>
       <p:ext uri="{BB962C8B-B14F-4D97-AF65-F5344CB8AC3E}">
-        <p14:creationId xmlns:p14="http://schemas.microsoft.com/office/powerpoint/2010/main" val="3604338684"/>
+        <p14:creationId xmlns:p14="http://schemas.microsoft.com/office/powerpoint/2010/main" val="827456565"/>
       </p:ext>
     </p:extLst>
   </p:cSld>
@@ -9251,7 +9184,7 @@
           <p:cNvPr id="2" name="Título 1">
             <a:extLst>
               <a:ext uri="{FF2B5EF4-FFF2-40B4-BE49-F238E27FC236}">
-                <a16:creationId xmlns:a16="http://schemas.microsoft.com/office/drawing/2014/main" id="{DC5B5A52-8BA4-F552-61DC-F9A3EB6784E5}"/>
+                <a16:creationId xmlns:a16="http://schemas.microsoft.com/office/drawing/2014/main" id="{4F7B0037-F09D-4F50-58C1-D9D0995D75C0}"/>
               </a:ext>
             </a:extLst>
           </p:cNvPr>
@@ -9268,42 +9201,9 @@
           <a:lstStyle/>
           <a:p>
             <a:r>
-              <a:rPr lang="es-EC" dirty="0" err="1"/>
-              <a:t>Student</a:t>
-            </a:r>
-            <a:r>
               <a:rPr lang="es-EC" dirty="0"/>
-              <a:t> </a:t>
-            </a:r>
-            <a:r>
-              <a:rPr lang="es-EC" dirty="0" err="1"/>
-              <a:t>trying</a:t>
-            </a:r>
-            <a:r>
-              <a:rPr lang="es-EC" dirty="0"/>
-              <a:t> </a:t>
-            </a:r>
-            <a:r>
-              <a:rPr lang="es-EC" dirty="0" err="1"/>
-              <a:t>to</a:t>
-            </a:r>
-            <a:r>
-              <a:rPr lang="es-EC" dirty="0"/>
-              <a:t> </a:t>
-            </a:r>
-            <a:r>
-              <a:rPr lang="es-EC" dirty="0" err="1"/>
-              <a:t>write</a:t>
-            </a:r>
-            <a:r>
-              <a:rPr lang="es-EC" dirty="0"/>
-              <a:t> </a:t>
-            </a:r>
-            <a:r>
-              <a:rPr lang="es-EC" dirty="0" err="1"/>
-              <a:t>questionReports</a:t>
-            </a:r>
-            <a:endParaRPr lang="es-EC" dirty="0"/>
+              <a:t>RESULT</a:t>
+            </a:r>
           </a:p>
         </p:txBody>
       </p:sp>
@@ -9312,7 +9212,7 @@
           <p:cNvPr id="5" name="Imagen 4">
             <a:extLst>
               <a:ext uri="{FF2B5EF4-FFF2-40B4-BE49-F238E27FC236}">
-                <a16:creationId xmlns:a16="http://schemas.microsoft.com/office/drawing/2014/main" id="{38F89AD7-2670-3B89-A16D-956E3950AD0C}"/>
+                <a16:creationId xmlns:a16="http://schemas.microsoft.com/office/drawing/2014/main" id="{02695AF8-14B6-F6C6-576C-BD1805896315}"/>
               </a:ext>
             </a:extLst>
           </p:cNvPr>
@@ -9329,18 +9229,86 @@
         </p:blipFill>
         <p:spPr>
           <a:xfrm>
-            <a:off x="1420600" y="2223422"/>
-            <a:ext cx="7897327" cy="4286848"/>
+            <a:off x="974540" y="2669146"/>
+            <a:ext cx="10242920" cy="2981741"/>
           </a:xfrm>
           <a:prstGeom prst="rect">
             <a:avLst/>
           </a:prstGeom>
         </p:spPr>
       </p:pic>
+      <p:sp>
+        <p:nvSpPr>
+          <p:cNvPr id="6" name="Flecha: hacia la izquierda 5">
+            <a:extLst>
+              <a:ext uri="{FF2B5EF4-FFF2-40B4-BE49-F238E27FC236}">
+                <a16:creationId xmlns:a16="http://schemas.microsoft.com/office/drawing/2014/main" id="{EEAFE568-47AF-B657-6BE9-CCB01D07A37A}"/>
+              </a:ext>
+            </a:extLst>
+          </p:cNvPr>
+          <p:cNvSpPr/>
+          <p:nvPr/>
+        </p:nvSpPr>
+        <p:spPr>
+          <a:xfrm>
+            <a:off x="5904973" y="3989191"/>
+            <a:ext cx="2351314" cy="231113"/>
+          </a:xfrm>
+          <a:prstGeom prst="leftArrow">
+            <a:avLst/>
+          </a:prstGeom>
+          <a:solidFill>
+            <a:srgbClr val="FF0000"/>
+          </a:solidFill>
+          <a:ln>
+            <a:solidFill>
+              <a:schemeClr val="tx1">
+                <a:lumMod val="95000"/>
+              </a:schemeClr>
+            </a:solidFill>
+          </a:ln>
+          <a:effectLst>
+            <a:glow rad="139700">
+              <a:schemeClr val="accent2">
+                <a:satMod val="175000"/>
+                <a:alpha val="40000"/>
+              </a:schemeClr>
+            </a:glow>
+          </a:effectLst>
+        </p:spPr>
+        <p:style>
+          <a:lnRef idx="2">
+            <a:schemeClr val="accent1">
+              <a:shade val="15000"/>
+            </a:schemeClr>
+          </a:lnRef>
+          <a:fillRef idx="1">
+            <a:schemeClr val="accent1"/>
+          </a:fillRef>
+          <a:effectRef idx="0">
+            <a:schemeClr val="accent1"/>
+          </a:effectRef>
+          <a:fontRef idx="minor">
+            <a:schemeClr val="lt1"/>
+          </a:fontRef>
+        </p:style>
+        <p:txBody>
+          <a:bodyPr rtlCol="0" anchor="ctr"/>
+          <a:lstStyle/>
+          <a:p>
+            <a:pPr algn="ctr"/>
+            <a:endParaRPr lang="es-EC">
+              <a:solidFill>
+                <a:srgbClr val="FF0000"/>
+              </a:solidFill>
+            </a:endParaRPr>
+          </a:p>
+        </p:txBody>
+      </p:sp>
     </p:spTree>
     <p:extLst>
       <p:ext uri="{BB962C8B-B14F-4D97-AF65-F5344CB8AC3E}">
-        <p14:creationId xmlns:p14="http://schemas.microsoft.com/office/powerpoint/2010/main" val="3319085263"/>
+        <p14:creationId xmlns:p14="http://schemas.microsoft.com/office/powerpoint/2010/main" val="3604338684"/>
       </p:ext>
     </p:extLst>
   </p:cSld>
@@ -9372,7 +9340,7 @@
           <p:cNvPr id="2" name="Título 1">
             <a:extLst>
               <a:ext uri="{FF2B5EF4-FFF2-40B4-BE49-F238E27FC236}">
-                <a16:creationId xmlns:a16="http://schemas.microsoft.com/office/drawing/2014/main" id="{BA95707E-5E2F-92B9-64E8-425466FA8BB6}"/>
+                <a16:creationId xmlns:a16="http://schemas.microsoft.com/office/drawing/2014/main" id="{DC5B5A52-8BA4-F552-61DC-F9A3EB6784E5}"/>
               </a:ext>
             </a:extLst>
           </p:cNvPr>
@@ -9389,27 +9357,58 @@
           <a:lstStyle/>
           <a:p>
             <a:r>
+              <a:rPr lang="es-EC" dirty="0" err="1"/>
+              <a:t>Student</a:t>
+            </a:r>
+            <a:r>
               <a:rPr lang="es-EC" dirty="0"/>
-              <a:t>RESULT</a:t>
-            </a:r>
+              <a:t> </a:t>
+            </a:r>
+            <a:r>
+              <a:rPr lang="es-EC" dirty="0" err="1"/>
+              <a:t>trying</a:t>
+            </a:r>
+            <a:r>
+              <a:rPr lang="es-EC" dirty="0"/>
+              <a:t> </a:t>
+            </a:r>
+            <a:r>
+              <a:rPr lang="es-EC" dirty="0" err="1"/>
+              <a:t>to</a:t>
+            </a:r>
+            <a:r>
+              <a:rPr lang="es-EC" dirty="0"/>
+              <a:t> </a:t>
+            </a:r>
+            <a:r>
+              <a:rPr lang="es-EC" dirty="0" err="1"/>
+              <a:t>write</a:t>
+            </a:r>
+            <a:r>
+              <a:rPr lang="es-EC" dirty="0"/>
+              <a:t> </a:t>
+            </a:r>
+            <a:r>
+              <a:rPr lang="es-EC" dirty="0" err="1"/>
+              <a:t>questionReports</a:t>
+            </a:r>
+            <a:endParaRPr lang="es-EC" dirty="0"/>
           </a:p>
         </p:txBody>
       </p:sp>
       <p:pic>
         <p:nvPicPr>
-          <p:cNvPr id="5" name="Marcador de contenido 4">
+          <p:cNvPr id="5" name="Imagen 4">
             <a:extLst>
               <a:ext uri="{FF2B5EF4-FFF2-40B4-BE49-F238E27FC236}">
-                <a16:creationId xmlns:a16="http://schemas.microsoft.com/office/drawing/2014/main" id="{41CE2CE8-BCB0-F38F-CF91-9F6BA18F3A47}"/>
+                <a16:creationId xmlns:a16="http://schemas.microsoft.com/office/drawing/2014/main" id="{38F89AD7-2670-3B89-A16D-956E3950AD0C}"/>
               </a:ext>
             </a:extLst>
           </p:cNvPr>
           <p:cNvPicPr>
-            <a:picLocks noGrp="1" noChangeAspect="1"/>
+            <a:picLocks noChangeAspect="1"/>
           </p:cNvPicPr>
-          <p:nvPr>
-            <p:ph idx="1"/>
-          </p:nvPr>
+          <p:nvPr/>
         </p:nvPicPr>
         <p:blipFill>
           <a:blip r:embed="rId2"/>
@@ -9419,83 +9418,18 @@
         </p:blipFill>
         <p:spPr>
           <a:xfrm>
-            <a:off x="680282" y="2705988"/>
-            <a:ext cx="10338130" cy="2730170"/>
-          </a:xfrm>
-        </p:spPr>
-      </p:pic>
-      <p:sp>
-        <p:nvSpPr>
-          <p:cNvPr id="6" name="Flecha: hacia la izquierda 5">
-            <a:extLst>
-              <a:ext uri="{FF2B5EF4-FFF2-40B4-BE49-F238E27FC236}">
-                <a16:creationId xmlns:a16="http://schemas.microsoft.com/office/drawing/2014/main" id="{5CB2FC2B-4581-9C6C-E23D-177AE0FDBF85}"/>
-              </a:ext>
-            </a:extLst>
-          </p:cNvPr>
-          <p:cNvSpPr/>
-          <p:nvPr/>
-        </p:nvSpPr>
-        <p:spPr>
-          <a:xfrm>
-            <a:off x="3623889" y="3955516"/>
-            <a:ext cx="2351314" cy="231113"/>
-          </a:xfrm>
-          <a:prstGeom prst="leftArrow">
+            <a:off x="1420600" y="2223422"/>
+            <a:ext cx="7897327" cy="4286848"/>
+          </a:xfrm>
+          <a:prstGeom prst="rect">
             <a:avLst/>
           </a:prstGeom>
-          <a:solidFill>
-            <a:srgbClr val="FF0000"/>
-          </a:solidFill>
-          <a:ln>
-            <a:solidFill>
-              <a:schemeClr val="tx1">
-                <a:lumMod val="95000"/>
-              </a:schemeClr>
-            </a:solidFill>
-          </a:ln>
-          <a:effectLst>
-            <a:glow rad="139700">
-              <a:schemeClr val="accent2">
-                <a:satMod val="175000"/>
-                <a:alpha val="40000"/>
-              </a:schemeClr>
-            </a:glow>
-          </a:effectLst>
-        </p:spPr>
-        <p:style>
-          <a:lnRef idx="2">
-            <a:schemeClr val="accent1">
-              <a:shade val="15000"/>
-            </a:schemeClr>
-          </a:lnRef>
-          <a:fillRef idx="1">
-            <a:schemeClr val="accent1"/>
-          </a:fillRef>
-          <a:effectRef idx="0">
-            <a:schemeClr val="accent1"/>
-          </a:effectRef>
-          <a:fontRef idx="minor">
-            <a:schemeClr val="lt1"/>
-          </a:fontRef>
-        </p:style>
-        <p:txBody>
-          <a:bodyPr rtlCol="0" anchor="ctr"/>
-          <a:lstStyle/>
-          <a:p>
-            <a:pPr algn="ctr"/>
-            <a:endParaRPr lang="es-EC">
-              <a:solidFill>
-                <a:srgbClr val="FF0000"/>
-              </a:solidFill>
-            </a:endParaRPr>
-          </a:p>
-        </p:txBody>
-      </p:sp>
+        </p:spPr>
+      </p:pic>
     </p:spTree>
     <p:extLst>
       <p:ext uri="{BB962C8B-B14F-4D97-AF65-F5344CB8AC3E}">
-        <p14:creationId xmlns:p14="http://schemas.microsoft.com/office/powerpoint/2010/main" val="361896270"/>
+        <p14:creationId xmlns:p14="http://schemas.microsoft.com/office/powerpoint/2010/main" val="3319085263"/>
       </p:ext>
     </p:extLst>
   </p:cSld>
@@ -9527,6 +9461,161 @@
           <p:cNvPr id="2" name="Título 1">
             <a:extLst>
               <a:ext uri="{FF2B5EF4-FFF2-40B4-BE49-F238E27FC236}">
+                <a16:creationId xmlns:a16="http://schemas.microsoft.com/office/drawing/2014/main" id="{BA95707E-5E2F-92B9-64E8-425466FA8BB6}"/>
+              </a:ext>
+            </a:extLst>
+          </p:cNvPr>
+          <p:cNvSpPr>
+            <a:spLocks noGrp="1"/>
+          </p:cNvSpPr>
+          <p:nvPr>
+            <p:ph type="title"/>
+          </p:nvPr>
+        </p:nvSpPr>
+        <p:spPr/>
+        <p:txBody>
+          <a:bodyPr/>
+          <a:lstStyle/>
+          <a:p>
+            <a:r>
+              <a:rPr lang="es-EC" dirty="0"/>
+              <a:t>RESULT</a:t>
+            </a:r>
+          </a:p>
+        </p:txBody>
+      </p:sp>
+      <p:pic>
+        <p:nvPicPr>
+          <p:cNvPr id="5" name="Marcador de contenido 4">
+            <a:extLst>
+              <a:ext uri="{FF2B5EF4-FFF2-40B4-BE49-F238E27FC236}">
+                <a16:creationId xmlns:a16="http://schemas.microsoft.com/office/drawing/2014/main" id="{41CE2CE8-BCB0-F38F-CF91-9F6BA18F3A47}"/>
+              </a:ext>
+            </a:extLst>
+          </p:cNvPr>
+          <p:cNvPicPr>
+            <a:picLocks noGrp="1" noChangeAspect="1"/>
+          </p:cNvPicPr>
+          <p:nvPr>
+            <p:ph idx="1"/>
+          </p:nvPr>
+        </p:nvPicPr>
+        <p:blipFill>
+          <a:blip r:embed="rId2"/>
+          <a:stretch>
+            <a:fillRect/>
+          </a:stretch>
+        </p:blipFill>
+        <p:spPr>
+          <a:xfrm>
+            <a:off x="680282" y="2705988"/>
+            <a:ext cx="10338130" cy="2730170"/>
+          </a:xfrm>
+        </p:spPr>
+      </p:pic>
+      <p:sp>
+        <p:nvSpPr>
+          <p:cNvPr id="6" name="Flecha: hacia la izquierda 5">
+            <a:extLst>
+              <a:ext uri="{FF2B5EF4-FFF2-40B4-BE49-F238E27FC236}">
+                <a16:creationId xmlns:a16="http://schemas.microsoft.com/office/drawing/2014/main" id="{5CB2FC2B-4581-9C6C-E23D-177AE0FDBF85}"/>
+              </a:ext>
+            </a:extLst>
+          </p:cNvPr>
+          <p:cNvSpPr/>
+          <p:nvPr/>
+        </p:nvSpPr>
+        <p:spPr>
+          <a:xfrm>
+            <a:off x="3623889" y="3955516"/>
+            <a:ext cx="2351314" cy="231113"/>
+          </a:xfrm>
+          <a:prstGeom prst="leftArrow">
+            <a:avLst/>
+          </a:prstGeom>
+          <a:solidFill>
+            <a:srgbClr val="FF0000"/>
+          </a:solidFill>
+          <a:ln>
+            <a:solidFill>
+              <a:schemeClr val="tx1">
+                <a:lumMod val="95000"/>
+              </a:schemeClr>
+            </a:solidFill>
+          </a:ln>
+          <a:effectLst>
+            <a:glow rad="139700">
+              <a:schemeClr val="accent2">
+                <a:satMod val="175000"/>
+                <a:alpha val="40000"/>
+              </a:schemeClr>
+            </a:glow>
+          </a:effectLst>
+        </p:spPr>
+        <p:style>
+          <a:lnRef idx="2">
+            <a:schemeClr val="accent1">
+              <a:shade val="15000"/>
+            </a:schemeClr>
+          </a:lnRef>
+          <a:fillRef idx="1">
+            <a:schemeClr val="accent1"/>
+          </a:fillRef>
+          <a:effectRef idx="0">
+            <a:schemeClr val="accent1"/>
+          </a:effectRef>
+          <a:fontRef idx="minor">
+            <a:schemeClr val="lt1"/>
+          </a:fontRef>
+        </p:style>
+        <p:txBody>
+          <a:bodyPr rtlCol="0" anchor="ctr"/>
+          <a:lstStyle/>
+          <a:p>
+            <a:pPr algn="ctr"/>
+            <a:endParaRPr lang="es-EC">
+              <a:solidFill>
+                <a:srgbClr val="FF0000"/>
+              </a:solidFill>
+            </a:endParaRPr>
+          </a:p>
+        </p:txBody>
+      </p:sp>
+    </p:spTree>
+    <p:extLst>
+      <p:ext uri="{BB962C8B-B14F-4D97-AF65-F5344CB8AC3E}">
+        <p14:creationId xmlns:p14="http://schemas.microsoft.com/office/powerpoint/2010/main" val="361896270"/>
+      </p:ext>
+    </p:extLst>
+  </p:cSld>
+  <p:clrMapOvr>
+    <a:masterClrMapping/>
+  </p:clrMapOvr>
+</p:sld>
+</file>
+
+<file path=ppt/slides/slide16.xml><?xml version="1.0" encoding="utf-8"?>
+<p:sld xmlns:a="http://schemas.openxmlformats.org/drawingml/2006/main" xmlns:r="http://schemas.openxmlformats.org/officeDocument/2006/relationships" xmlns:p="http://schemas.openxmlformats.org/presentationml/2006/main">
+  <p:cSld>
+    <p:spTree>
+      <p:nvGrpSpPr>
+        <p:cNvPr id="1" name=""/>
+        <p:cNvGrpSpPr/>
+        <p:nvPr/>
+      </p:nvGrpSpPr>
+      <p:grpSpPr>
+        <a:xfrm>
+          <a:off x="0" y="0"/>
+          <a:ext cx="0" cy="0"/>
+          <a:chOff x="0" y="0"/>
+          <a:chExt cx="0" cy="0"/>
+        </a:xfrm>
+      </p:grpSpPr>
+      <p:sp>
+        <p:nvSpPr>
+          <p:cNvPr id="2" name="Título 1">
+            <a:extLst>
+              <a:ext uri="{FF2B5EF4-FFF2-40B4-BE49-F238E27FC236}">
                 <a16:creationId xmlns:a16="http://schemas.microsoft.com/office/drawing/2014/main" id="{6C582C5C-3B6B-1427-C040-AB3826A24E4E}"/>
               </a:ext>
             </a:extLst>
@@ -9627,7 +9716,7 @@
 </p:sld>
 </file>
 
-<file path=ppt/slides/slide16.xml><?xml version="1.0" encoding="utf-8"?>
+<file path=ppt/slides/slide17.xml><?xml version="1.0" encoding="utf-8"?>
 <p:sld xmlns:a="http://schemas.openxmlformats.org/drawingml/2006/main" xmlns:r="http://schemas.openxmlformats.org/officeDocument/2006/relationships" xmlns:p="http://schemas.openxmlformats.org/presentationml/2006/main">
   <p:cSld>
     <p:spTree>
@@ -10744,7 +10833,7 @@
           <p:nvPr>
             <p:extLst>
               <p:ext uri="{D42A27DB-BD31-4B8C-83A1-F6EECF244321}">
-                <p14:modId xmlns:p14="http://schemas.microsoft.com/office/powerpoint/2010/main" val="4157161789"/>
+                <p14:modId xmlns:p14="http://schemas.microsoft.com/office/powerpoint/2010/main" val="1806777541"/>
               </p:ext>
             </p:extLst>
           </p:nvPr>
@@ -10988,13 +11077,20 @@
                         <a:buNone/>
                       </a:pPr>
                       <a:r>
-                        <a:rPr lang="es-EC" sz="1900" b="0" u="none" strike="noStrike">
+                        <a:rPr lang="es-EC" sz="1900" b="0" u="none" strike="noStrike" dirty="0">
                           <a:effectLst/>
                           <a:latin typeface="Aptos Display" panose="020B0004020202020204" pitchFamily="34" charset="0"/>
                         </a:rPr>
-                        <a:t>✅ RW</a:t>
+                        <a:t>✅ </a:t>
                       </a:r>
-                      <a:endParaRPr lang="es-EC" sz="1900" b="0" i="0" u="none" strike="noStrike">
+                      <a:r>
+                        <a:rPr lang="es-EC" sz="1900" b="0" u="none" strike="noStrike" dirty="0" err="1">
+                          <a:effectLst/>
+                          <a:latin typeface="Aptos Display" panose="020B0004020202020204" pitchFamily="34" charset="0"/>
+                        </a:rPr>
+                        <a:t>read</a:t>
+                      </a:r>
+                      <a:endParaRPr lang="es-EC" sz="1900" b="0" i="0" u="none" strike="noStrike" dirty="0">
                         <a:effectLst/>
                         <a:latin typeface="Aptos Display" panose="020B0004020202020204" pitchFamily="34" charset="0"/>
                       </a:endParaRPr>

--- a/FirebaseDatabaseSecurity_DannesEspinoza.pptx
+++ b/FirebaseDatabaseSecurity_DannesEspinoza.pptx
@@ -18,10 +18,12 @@
     <p:sldId id="273" r:id="rId12"/>
     <p:sldId id="268" r:id="rId13"/>
     <p:sldId id="267" r:id="rId14"/>
-    <p:sldId id="269" r:id="rId15"/>
-    <p:sldId id="270" r:id="rId16"/>
-    <p:sldId id="271" r:id="rId17"/>
-    <p:sldId id="272" r:id="rId18"/>
+    <p:sldId id="275" r:id="rId15"/>
+    <p:sldId id="274" r:id="rId16"/>
+    <p:sldId id="269" r:id="rId17"/>
+    <p:sldId id="270" r:id="rId18"/>
+    <p:sldId id="271" r:id="rId19"/>
+    <p:sldId id="272" r:id="rId20"/>
   </p:sldIdLst>
   <p:sldSz cx="12192000" cy="6858000"/>
   <p:notesSz cx="6858000" cy="9144000"/>
@@ -7850,7 +7852,7 @@
           <a:lstStyle/>
           <a:p>
             <a:pPr algn="ctr"/>
-            <a:endParaRPr lang="en-US"/>
+            <a:endParaRPr lang="en-US" dirty="0"/>
           </a:p>
         </p:txBody>
       </p:sp>
@@ -7956,7 +7958,7 @@
           <a:lstStyle/>
           <a:p>
             <a:pPr algn="ctr"/>
-            <a:endParaRPr lang="en-US"/>
+            <a:endParaRPr lang="en-US" dirty="0"/>
           </a:p>
         </p:txBody>
       </p:sp>
@@ -8066,7 +8068,7 @@
           <a:bodyPr/>
           <a:lstStyle/>
           <a:p>
-            <a:endParaRPr lang="es-EC"/>
+            <a:endParaRPr lang="es-EC" dirty="0"/>
           </a:p>
         </p:txBody>
       </p:sp>
@@ -8099,7 +8101,7 @@
           <a:lstStyle/>
           <a:p>
             <a:r>
-              <a:rPr lang="es-EC"/>
+              <a:rPr lang="es-EC" dirty="0"/>
               <a:t>FIREBASE DATABASE SECURITY</a:t>
             </a:r>
           </a:p>
@@ -8137,10 +8139,9 @@
               <a:rPr lang="es-EC" dirty="0"/>
               <a:t>NEXUS PROJECT</a:t>
             </a:r>
-            <a:endParaRPr lang="es-EC"/>
-          </a:p>
-          <a:p>
-            <a:endParaRPr lang="es-EC"/>
+          </a:p>
+          <a:p>
+            <a:endParaRPr lang="es-EC" dirty="0"/>
           </a:p>
         </p:txBody>
       </p:sp>
@@ -9340,7 +9341,7 @@
           <p:cNvPr id="2" name="Título 1">
             <a:extLst>
               <a:ext uri="{FF2B5EF4-FFF2-40B4-BE49-F238E27FC236}">
-                <a16:creationId xmlns:a16="http://schemas.microsoft.com/office/drawing/2014/main" id="{DC5B5A52-8BA4-F552-61DC-F9A3EB6784E5}"/>
+                <a16:creationId xmlns:a16="http://schemas.microsoft.com/office/drawing/2014/main" id="{8DBFBEA8-FFB2-90F8-613A-35F67EC9FD84}"/>
               </a:ext>
             </a:extLst>
           </p:cNvPr>
@@ -9390,7 +9391,7 @@
             </a:r>
             <a:r>
               <a:rPr lang="es-EC" dirty="0" err="1"/>
-              <a:t>questionReports</a:t>
+              <a:t>userLogs</a:t>
             </a:r>
             <a:endParaRPr lang="es-EC" dirty="0"/>
           </a:p>
@@ -9401,7 +9402,7 @@
           <p:cNvPr id="5" name="Imagen 4">
             <a:extLst>
               <a:ext uri="{FF2B5EF4-FFF2-40B4-BE49-F238E27FC236}">
-                <a16:creationId xmlns:a16="http://schemas.microsoft.com/office/drawing/2014/main" id="{38F89AD7-2670-3B89-A16D-956E3950AD0C}"/>
+                <a16:creationId xmlns:a16="http://schemas.microsoft.com/office/drawing/2014/main" id="{D83A619D-6431-E669-88AF-85FCB31E05C5}"/>
               </a:ext>
             </a:extLst>
           </p:cNvPr>
@@ -9412,14 +9413,15 @@
         </p:nvPicPr>
         <p:blipFill>
           <a:blip r:embed="rId2"/>
+          <a:srcRect t="42396"/>
           <a:stretch>
             <a:fillRect/>
           </a:stretch>
         </p:blipFill>
         <p:spPr>
           <a:xfrm>
-            <a:off x="1420600" y="2223422"/>
-            <a:ext cx="7897327" cy="4286848"/>
+            <a:off x="1721474" y="2154284"/>
+            <a:ext cx="7531554" cy="3950488"/>
           </a:xfrm>
           <a:prstGeom prst="rect">
             <a:avLst/>
@@ -9429,7 +9431,7 @@
     </p:spTree>
     <p:extLst>
       <p:ext uri="{BB962C8B-B14F-4D97-AF65-F5344CB8AC3E}">
-        <p14:creationId xmlns:p14="http://schemas.microsoft.com/office/powerpoint/2010/main" val="3319085263"/>
+        <p14:creationId xmlns:p14="http://schemas.microsoft.com/office/powerpoint/2010/main" val="2770538944"/>
       </p:ext>
     </p:extLst>
   </p:cSld>
@@ -9461,7 +9463,7 @@
           <p:cNvPr id="2" name="Título 1">
             <a:extLst>
               <a:ext uri="{FF2B5EF4-FFF2-40B4-BE49-F238E27FC236}">
-                <a16:creationId xmlns:a16="http://schemas.microsoft.com/office/drawing/2014/main" id="{BA95707E-5E2F-92B9-64E8-425466FA8BB6}"/>
+                <a16:creationId xmlns:a16="http://schemas.microsoft.com/office/drawing/2014/main" id="{456E4287-6DD6-2DA4-F42F-745E3DFEB9C4}"/>
               </a:ext>
             </a:extLst>
           </p:cNvPr>
@@ -9486,19 +9488,17 @@
       </p:sp>
       <p:pic>
         <p:nvPicPr>
-          <p:cNvPr id="5" name="Marcador de contenido 4">
+          <p:cNvPr id="5" name="Imagen 4">
             <a:extLst>
               <a:ext uri="{FF2B5EF4-FFF2-40B4-BE49-F238E27FC236}">
-                <a16:creationId xmlns:a16="http://schemas.microsoft.com/office/drawing/2014/main" id="{41CE2CE8-BCB0-F38F-CF91-9F6BA18F3A47}"/>
+                <a16:creationId xmlns:a16="http://schemas.microsoft.com/office/drawing/2014/main" id="{06184E2F-7A28-258F-3745-27EE7C934073}"/>
               </a:ext>
             </a:extLst>
           </p:cNvPr>
           <p:cNvPicPr>
-            <a:picLocks noGrp="1" noChangeAspect="1"/>
+            <a:picLocks noChangeAspect="1"/>
           </p:cNvPicPr>
-          <p:nvPr>
-            <p:ph idx="1"/>
-          </p:nvPr>
+          <p:nvPr/>
         </p:nvPicPr>
         <p:blipFill>
           <a:blip r:embed="rId2"/>
@@ -9508,9 +9508,12 @@
         </p:blipFill>
         <p:spPr>
           <a:xfrm>
-            <a:off x="680282" y="2705988"/>
-            <a:ext cx="10338130" cy="2730170"/>
-          </a:xfrm>
+            <a:off x="396590" y="2739872"/>
+            <a:ext cx="11398819" cy="2737027"/>
+          </a:xfrm>
+          <a:prstGeom prst="rect">
+            <a:avLst/>
+          </a:prstGeom>
         </p:spPr>
       </p:pic>
       <p:sp>
@@ -9518,7 +9521,7 @@
           <p:cNvPr id="6" name="Flecha: hacia la izquierda 5">
             <a:extLst>
               <a:ext uri="{FF2B5EF4-FFF2-40B4-BE49-F238E27FC236}">
-                <a16:creationId xmlns:a16="http://schemas.microsoft.com/office/drawing/2014/main" id="{5CB2FC2B-4581-9C6C-E23D-177AE0FDBF85}"/>
+                <a16:creationId xmlns:a16="http://schemas.microsoft.com/office/drawing/2014/main" id="{088DA2F3-6BD4-B22B-8FA1-4F8D484DC0FC}"/>
               </a:ext>
             </a:extLst>
           </p:cNvPr>
@@ -9527,7 +9530,7 @@
         </p:nvSpPr>
         <p:spPr>
           <a:xfrm>
-            <a:off x="3623889" y="3955516"/>
+            <a:off x="6924138" y="4113174"/>
             <a:ext cx="2351314" cy="231113"/>
           </a:xfrm>
           <a:prstGeom prst="leftArrow">
@@ -9584,7 +9587,7 @@
     </p:spTree>
     <p:extLst>
       <p:ext uri="{BB962C8B-B14F-4D97-AF65-F5344CB8AC3E}">
-        <p14:creationId xmlns:p14="http://schemas.microsoft.com/office/powerpoint/2010/main" val="361896270"/>
+        <p14:creationId xmlns:p14="http://schemas.microsoft.com/office/powerpoint/2010/main" val="3816477446"/>
       </p:ext>
     </p:extLst>
   </p:cSld>
@@ -9616,6 +9619,282 @@
           <p:cNvPr id="2" name="Título 1">
             <a:extLst>
               <a:ext uri="{FF2B5EF4-FFF2-40B4-BE49-F238E27FC236}">
+                <a16:creationId xmlns:a16="http://schemas.microsoft.com/office/drawing/2014/main" id="{DC5B5A52-8BA4-F552-61DC-F9A3EB6784E5}"/>
+              </a:ext>
+            </a:extLst>
+          </p:cNvPr>
+          <p:cNvSpPr>
+            <a:spLocks noGrp="1"/>
+          </p:cNvSpPr>
+          <p:nvPr>
+            <p:ph type="title"/>
+          </p:nvPr>
+        </p:nvSpPr>
+        <p:spPr/>
+        <p:txBody>
+          <a:bodyPr/>
+          <a:lstStyle/>
+          <a:p>
+            <a:r>
+              <a:rPr lang="es-EC" dirty="0" err="1"/>
+              <a:t>Student</a:t>
+            </a:r>
+            <a:r>
+              <a:rPr lang="es-EC" dirty="0"/>
+              <a:t> </a:t>
+            </a:r>
+            <a:r>
+              <a:rPr lang="es-EC" dirty="0" err="1"/>
+              <a:t>trying</a:t>
+            </a:r>
+            <a:r>
+              <a:rPr lang="es-EC" dirty="0"/>
+              <a:t> </a:t>
+            </a:r>
+            <a:r>
+              <a:rPr lang="es-EC" dirty="0" err="1"/>
+              <a:t>to</a:t>
+            </a:r>
+            <a:r>
+              <a:rPr lang="es-EC" dirty="0"/>
+              <a:t> </a:t>
+            </a:r>
+            <a:r>
+              <a:rPr lang="es-EC" dirty="0" err="1"/>
+              <a:t>write</a:t>
+            </a:r>
+            <a:r>
+              <a:rPr lang="es-EC" dirty="0"/>
+              <a:t> </a:t>
+            </a:r>
+            <a:r>
+              <a:rPr lang="es-EC" dirty="0" err="1"/>
+              <a:t>questionReports</a:t>
+            </a:r>
+            <a:endParaRPr lang="es-EC" dirty="0"/>
+          </a:p>
+        </p:txBody>
+      </p:sp>
+      <p:pic>
+        <p:nvPicPr>
+          <p:cNvPr id="5" name="Imagen 4">
+            <a:extLst>
+              <a:ext uri="{FF2B5EF4-FFF2-40B4-BE49-F238E27FC236}">
+                <a16:creationId xmlns:a16="http://schemas.microsoft.com/office/drawing/2014/main" id="{38F89AD7-2670-3B89-A16D-956E3950AD0C}"/>
+              </a:ext>
+            </a:extLst>
+          </p:cNvPr>
+          <p:cNvPicPr>
+            <a:picLocks noChangeAspect="1"/>
+          </p:cNvPicPr>
+          <p:nvPr/>
+        </p:nvPicPr>
+        <p:blipFill>
+          <a:blip r:embed="rId2"/>
+          <a:stretch>
+            <a:fillRect/>
+          </a:stretch>
+        </p:blipFill>
+        <p:spPr>
+          <a:xfrm>
+            <a:off x="1420600" y="2223422"/>
+            <a:ext cx="7897327" cy="4286848"/>
+          </a:xfrm>
+          <a:prstGeom prst="rect">
+            <a:avLst/>
+          </a:prstGeom>
+        </p:spPr>
+      </p:pic>
+    </p:spTree>
+    <p:extLst>
+      <p:ext uri="{BB962C8B-B14F-4D97-AF65-F5344CB8AC3E}">
+        <p14:creationId xmlns:p14="http://schemas.microsoft.com/office/powerpoint/2010/main" val="3319085263"/>
+      </p:ext>
+    </p:extLst>
+  </p:cSld>
+  <p:clrMapOvr>
+    <a:masterClrMapping/>
+  </p:clrMapOvr>
+</p:sld>
+</file>
+
+<file path=ppt/slides/slide17.xml><?xml version="1.0" encoding="utf-8"?>
+<p:sld xmlns:a="http://schemas.openxmlformats.org/drawingml/2006/main" xmlns:r="http://schemas.openxmlformats.org/officeDocument/2006/relationships" xmlns:p="http://schemas.openxmlformats.org/presentationml/2006/main">
+  <p:cSld>
+    <p:spTree>
+      <p:nvGrpSpPr>
+        <p:cNvPr id="1" name=""/>
+        <p:cNvGrpSpPr/>
+        <p:nvPr/>
+      </p:nvGrpSpPr>
+      <p:grpSpPr>
+        <a:xfrm>
+          <a:off x="0" y="0"/>
+          <a:ext cx="0" cy="0"/>
+          <a:chOff x="0" y="0"/>
+          <a:chExt cx="0" cy="0"/>
+        </a:xfrm>
+      </p:grpSpPr>
+      <p:sp>
+        <p:nvSpPr>
+          <p:cNvPr id="2" name="Título 1">
+            <a:extLst>
+              <a:ext uri="{FF2B5EF4-FFF2-40B4-BE49-F238E27FC236}">
+                <a16:creationId xmlns:a16="http://schemas.microsoft.com/office/drawing/2014/main" id="{BA95707E-5E2F-92B9-64E8-425466FA8BB6}"/>
+              </a:ext>
+            </a:extLst>
+          </p:cNvPr>
+          <p:cNvSpPr>
+            <a:spLocks noGrp="1"/>
+          </p:cNvSpPr>
+          <p:nvPr>
+            <p:ph type="title"/>
+          </p:nvPr>
+        </p:nvSpPr>
+        <p:spPr/>
+        <p:txBody>
+          <a:bodyPr/>
+          <a:lstStyle/>
+          <a:p>
+            <a:r>
+              <a:rPr lang="es-EC" dirty="0"/>
+              <a:t>RESULT</a:t>
+            </a:r>
+          </a:p>
+        </p:txBody>
+      </p:sp>
+      <p:pic>
+        <p:nvPicPr>
+          <p:cNvPr id="5" name="Marcador de contenido 4">
+            <a:extLst>
+              <a:ext uri="{FF2B5EF4-FFF2-40B4-BE49-F238E27FC236}">
+                <a16:creationId xmlns:a16="http://schemas.microsoft.com/office/drawing/2014/main" id="{41CE2CE8-BCB0-F38F-CF91-9F6BA18F3A47}"/>
+              </a:ext>
+            </a:extLst>
+          </p:cNvPr>
+          <p:cNvPicPr>
+            <a:picLocks noGrp="1" noChangeAspect="1"/>
+          </p:cNvPicPr>
+          <p:nvPr>
+            <p:ph idx="1"/>
+          </p:nvPr>
+        </p:nvPicPr>
+        <p:blipFill>
+          <a:blip r:embed="rId2"/>
+          <a:stretch>
+            <a:fillRect/>
+          </a:stretch>
+        </p:blipFill>
+        <p:spPr>
+          <a:xfrm>
+            <a:off x="680282" y="2705988"/>
+            <a:ext cx="10338130" cy="2730170"/>
+          </a:xfrm>
+        </p:spPr>
+      </p:pic>
+      <p:sp>
+        <p:nvSpPr>
+          <p:cNvPr id="6" name="Flecha: hacia la izquierda 5">
+            <a:extLst>
+              <a:ext uri="{FF2B5EF4-FFF2-40B4-BE49-F238E27FC236}">
+                <a16:creationId xmlns:a16="http://schemas.microsoft.com/office/drawing/2014/main" id="{5CB2FC2B-4581-9C6C-E23D-177AE0FDBF85}"/>
+              </a:ext>
+            </a:extLst>
+          </p:cNvPr>
+          <p:cNvSpPr/>
+          <p:nvPr/>
+        </p:nvSpPr>
+        <p:spPr>
+          <a:xfrm>
+            <a:off x="3623889" y="3955516"/>
+            <a:ext cx="2351314" cy="231113"/>
+          </a:xfrm>
+          <a:prstGeom prst="leftArrow">
+            <a:avLst/>
+          </a:prstGeom>
+          <a:solidFill>
+            <a:srgbClr val="FF0000"/>
+          </a:solidFill>
+          <a:ln>
+            <a:solidFill>
+              <a:schemeClr val="tx1">
+                <a:lumMod val="95000"/>
+              </a:schemeClr>
+            </a:solidFill>
+          </a:ln>
+          <a:effectLst>
+            <a:glow rad="139700">
+              <a:schemeClr val="accent2">
+                <a:satMod val="175000"/>
+                <a:alpha val="40000"/>
+              </a:schemeClr>
+            </a:glow>
+          </a:effectLst>
+        </p:spPr>
+        <p:style>
+          <a:lnRef idx="2">
+            <a:schemeClr val="accent1">
+              <a:shade val="15000"/>
+            </a:schemeClr>
+          </a:lnRef>
+          <a:fillRef idx="1">
+            <a:schemeClr val="accent1"/>
+          </a:fillRef>
+          <a:effectRef idx="0">
+            <a:schemeClr val="accent1"/>
+          </a:effectRef>
+          <a:fontRef idx="minor">
+            <a:schemeClr val="lt1"/>
+          </a:fontRef>
+        </p:style>
+        <p:txBody>
+          <a:bodyPr rtlCol="0" anchor="ctr"/>
+          <a:lstStyle/>
+          <a:p>
+            <a:pPr algn="ctr"/>
+            <a:endParaRPr lang="es-EC">
+              <a:solidFill>
+                <a:srgbClr val="FF0000"/>
+              </a:solidFill>
+            </a:endParaRPr>
+          </a:p>
+        </p:txBody>
+      </p:sp>
+    </p:spTree>
+    <p:extLst>
+      <p:ext uri="{BB962C8B-B14F-4D97-AF65-F5344CB8AC3E}">
+        <p14:creationId xmlns:p14="http://schemas.microsoft.com/office/powerpoint/2010/main" val="361896270"/>
+      </p:ext>
+    </p:extLst>
+  </p:cSld>
+  <p:clrMapOvr>
+    <a:masterClrMapping/>
+  </p:clrMapOvr>
+</p:sld>
+</file>
+
+<file path=ppt/slides/slide18.xml><?xml version="1.0" encoding="utf-8"?>
+<p:sld xmlns:a="http://schemas.openxmlformats.org/drawingml/2006/main" xmlns:r="http://schemas.openxmlformats.org/officeDocument/2006/relationships" xmlns:p="http://schemas.openxmlformats.org/presentationml/2006/main">
+  <p:cSld>
+    <p:spTree>
+      <p:nvGrpSpPr>
+        <p:cNvPr id="1" name=""/>
+        <p:cNvGrpSpPr/>
+        <p:nvPr/>
+      </p:nvGrpSpPr>
+      <p:grpSpPr>
+        <a:xfrm>
+          <a:off x="0" y="0"/>
+          <a:ext cx="0" cy="0"/>
+          <a:chOff x="0" y="0"/>
+          <a:chExt cx="0" cy="0"/>
+        </a:xfrm>
+      </p:grpSpPr>
+      <p:sp>
+        <p:nvSpPr>
+          <p:cNvPr id="2" name="Título 1">
+            <a:extLst>
+              <a:ext uri="{FF2B5EF4-FFF2-40B4-BE49-F238E27FC236}">
                 <a16:creationId xmlns:a16="http://schemas.microsoft.com/office/drawing/2014/main" id="{6C582C5C-3B6B-1427-C040-AB3826A24E4E}"/>
               </a:ext>
             </a:extLst>
@@ -9716,7 +9995,7 @@
 </p:sld>
 </file>
 
-<file path=ppt/slides/slide17.xml><?xml version="1.0" encoding="utf-8"?>
+<file path=ppt/slides/slide19.xml><?xml version="1.0" encoding="utf-8"?>
 <p:sld xmlns:a="http://schemas.openxmlformats.org/drawingml/2006/main" xmlns:r="http://schemas.openxmlformats.org/officeDocument/2006/relationships" xmlns:p="http://schemas.openxmlformats.org/presentationml/2006/main">
   <p:cSld>
     <p:spTree>
